--- a/rust_in_action_pages.pptx
+++ b/rust_in_action_pages.pptx
@@ -9107,6 +9107,16 @@
               <a:rPr lang="zh-CN" altLang="en-US" dirty="0"/>
               <a:t>实战</a:t>
             </a:r>
+            <a:br>
+              <a:rPr lang="en-US" altLang="zh-CN" dirty="0"/>
+            </a:br>
+            <a:br>
+              <a:rPr lang="en-US" altLang="zh-CN" dirty="0"/>
+            </a:br>
+            <a:r>
+              <a:rPr lang="zh-CN" altLang="en-US" sz="4000" dirty="0"/>
+              <a:t>开篇介绍，下载与安装</a:t>
+            </a:r>
             <a:endParaRPr lang="en-US" dirty="0"/>
           </a:p>
         </p:txBody>
@@ -9173,8 +9183,135 @@
         </p:blipFill>
         <p:spPr>
           <a:xfrm>
-            <a:off x="6096000" y="6153887"/>
+            <a:off x="371971" y="6052066"/>
             <a:ext cx="2810500" cy="585267"/>
+          </a:xfrm>
+          <a:prstGeom prst="rect">
+            <a:avLst/>
+          </a:prstGeom>
+          <a:ln>
+            <a:noFill/>
+          </a:ln>
+          <a:effectLst>
+            <a:outerShdw blurRad="292100" dist="139700" dir="2700000" algn="tl" rotWithShape="0">
+              <a:srgbClr val="333333">
+                <a:alpha val="65000"/>
+              </a:srgbClr>
+            </a:outerShdw>
+          </a:effectLst>
+        </p:spPr>
+      </p:pic>
+      <p:sp>
+        <p:nvSpPr>
+          <p:cNvPr id="7" name="TextBox 6">
+            <a:extLst>
+              <a:ext uri="{FF2B5EF4-FFF2-40B4-BE49-F238E27FC236}">
+                <a16:creationId xmlns:a16="http://schemas.microsoft.com/office/drawing/2014/main" id="{B4509B74-346D-8B40-69FB-F96C968F7C0B}"/>
+              </a:ext>
+            </a:extLst>
+          </p:cNvPr>
+          <p:cNvSpPr txBox="1"/>
+          <p:nvPr/>
+        </p:nvSpPr>
+        <p:spPr>
+          <a:xfrm>
+            <a:off x="5885394" y="6268001"/>
+            <a:ext cx="5827059" cy="400110"/>
+          </a:xfrm>
+          <a:prstGeom prst="rect">
+            <a:avLst/>
+          </a:prstGeom>
+          <a:noFill/>
+        </p:spPr>
+        <p:txBody>
+          <a:bodyPr wrap="square">
+            <a:spAutoFit/>
+          </a:bodyPr>
+          <a:lstStyle/>
+          <a:p>
+            <a:r>
+              <a:rPr lang="en-US" sz="2000" b="1" dirty="0">
+                <a:hlinkClick r:id="rId5"/>
+              </a:rPr>
+              <a:t>https://github.com/yasenstar/rust_in_action</a:t>
+            </a:r>
+            <a:endParaRPr lang="en-US" sz="2000" b="1" dirty="0"/>
+          </a:p>
+        </p:txBody>
+      </p:sp>
+      <p:sp>
+        <p:nvSpPr>
+          <p:cNvPr id="8" name="TextBox 7">
+            <a:extLst>
+              <a:ext uri="{FF2B5EF4-FFF2-40B4-BE49-F238E27FC236}">
+                <a16:creationId xmlns:a16="http://schemas.microsoft.com/office/drawing/2014/main" id="{09AE3A14-1BD5-61D5-3449-2C461D705224}"/>
+              </a:ext>
+            </a:extLst>
+          </p:cNvPr>
+          <p:cNvSpPr txBox="1"/>
+          <p:nvPr/>
+        </p:nvSpPr>
+        <p:spPr>
+          <a:xfrm>
+            <a:off x="4159623" y="2685006"/>
+            <a:ext cx="1774974" cy="1200329"/>
+          </a:xfrm>
+          <a:prstGeom prst="rect">
+            <a:avLst/>
+          </a:prstGeom>
+          <a:noFill/>
+        </p:spPr>
+        <p:txBody>
+          <a:bodyPr wrap="none" rtlCol="0">
+            <a:spAutoFit/>
+          </a:bodyPr>
+          <a:lstStyle/>
+          <a:p>
+            <a:pPr algn="ctr"/>
+            <a:r>
+              <a:rPr lang="en-US" sz="7200" b="1" dirty="0">
+                <a:solidFill>
+                  <a:schemeClr val="accent1">
+                    <a:lumMod val="75000"/>
+                  </a:schemeClr>
+                </a:solidFill>
+                <a:effectLst>
+                  <a:outerShdw blurRad="38100" dist="38100" dir="2700000" algn="tl">
+                    <a:srgbClr val="000000">
+                      <a:alpha val="43137"/>
+                    </a:srgbClr>
+                  </a:outerShdw>
+                </a:effectLst>
+              </a:rPr>
+              <a:t>001</a:t>
+            </a:r>
+          </a:p>
+        </p:txBody>
+      </p:sp>
+      <p:pic>
+        <p:nvPicPr>
+          <p:cNvPr id="10" name="Picture 9">
+            <a:extLst>
+              <a:ext uri="{FF2B5EF4-FFF2-40B4-BE49-F238E27FC236}">
+                <a16:creationId xmlns:a16="http://schemas.microsoft.com/office/drawing/2014/main" id="{8DE055F2-212C-CB78-2903-748534042206}"/>
+              </a:ext>
+            </a:extLst>
+          </p:cNvPr>
+          <p:cNvPicPr>
+            <a:picLocks noChangeAspect="1"/>
+          </p:cNvPicPr>
+          <p:nvPr/>
+        </p:nvPicPr>
+        <p:blipFill>
+          <a:blip r:embed="rId6"/>
+          <a:stretch>
+            <a:fillRect/>
+          </a:stretch>
+        </p:blipFill>
+        <p:spPr>
+          <a:xfrm>
+            <a:off x="6306903" y="4096799"/>
+            <a:ext cx="5141306" cy="1846801"/>
           </a:xfrm>
           <a:prstGeom prst="rect">
             <a:avLst/>

--- a/rust_in_action_pages.pptx
+++ b/rust_in_action_pages.pptx
@@ -5,13 +5,15 @@
     <p:sldMasterId id="2147483658" r:id="rId4"/>
   </p:sldMasterIdLst>
   <p:notesMasterIdLst>
-    <p:notesMasterId r:id="rId6"/>
+    <p:notesMasterId r:id="rId8"/>
   </p:notesMasterIdLst>
   <p:handoutMasterIdLst>
-    <p:handoutMasterId r:id="rId7"/>
+    <p:handoutMasterId r:id="rId9"/>
   </p:handoutMasterIdLst>
   <p:sldIdLst>
     <p:sldId id="410" r:id="rId5"/>
+    <p:sldId id="412" r:id="rId6"/>
+    <p:sldId id="411" r:id="rId7"/>
   </p:sldIdLst>
   <p:sldSz cx="12192000" cy="6858000"/>
   <p:notesSz cx="6858000" cy="9144000"/>
@@ -746,6 +748,114 @@
     <p:extLst>
       <p:ext uri="{BB962C8B-B14F-4D97-AF65-F5344CB8AC3E}">
         <p14:creationId xmlns:p14="http://schemas.microsoft.com/office/powerpoint/2010/main" val="1092453862"/>
+      </p:ext>
+    </p:extLst>
+  </p:cSld>
+  <p:clrMapOvr>
+    <a:masterClrMapping/>
+  </p:clrMapOvr>
+</p:notes>
+</file>
+
+<file path=ppt/notesSlides/notesSlide2.xml><?xml version="1.0" encoding="utf-8"?>
+<p:notes xmlns:a="http://schemas.openxmlformats.org/drawingml/2006/main" xmlns:r="http://schemas.openxmlformats.org/officeDocument/2006/relationships" xmlns:p="http://schemas.openxmlformats.org/presentationml/2006/main">
+  <p:cSld>
+    <p:spTree>
+      <p:nvGrpSpPr>
+        <p:cNvPr id="1" name="">
+          <a:extLst>
+            <a:ext uri="{FF2B5EF4-FFF2-40B4-BE49-F238E27FC236}">
+              <a16:creationId xmlns:a16="http://schemas.microsoft.com/office/drawing/2014/main" id="{99476DD0-C004-BBF4-10EC-B5A2E7B1B06F}"/>
+            </a:ext>
+          </a:extLst>
+        </p:cNvPr>
+        <p:cNvGrpSpPr/>
+        <p:nvPr/>
+      </p:nvGrpSpPr>
+      <p:grpSpPr>
+        <a:xfrm>
+          <a:off x="0" y="0"/>
+          <a:ext cx="0" cy="0"/>
+          <a:chOff x="0" y="0"/>
+          <a:chExt cx="0" cy="0"/>
+        </a:xfrm>
+      </p:grpSpPr>
+      <p:sp>
+        <p:nvSpPr>
+          <p:cNvPr id="2" name="Slide Image Placeholder 1">
+            <a:extLst>
+              <a:ext uri="{FF2B5EF4-FFF2-40B4-BE49-F238E27FC236}">
+                <a16:creationId xmlns:a16="http://schemas.microsoft.com/office/drawing/2014/main" id="{B4E66702-2171-1B9A-216F-B04424EB0DFC}"/>
+              </a:ext>
+            </a:extLst>
+          </p:cNvPr>
+          <p:cNvSpPr>
+            <a:spLocks noGrp="1" noRot="1" noChangeAspect="1"/>
+          </p:cNvSpPr>
+          <p:nvPr>
+            <p:ph type="sldImg"/>
+          </p:nvPr>
+        </p:nvSpPr>
+        <p:spPr/>
+      </p:sp>
+      <p:sp>
+        <p:nvSpPr>
+          <p:cNvPr id="3" name="Notes Placeholder 2">
+            <a:extLst>
+              <a:ext uri="{FF2B5EF4-FFF2-40B4-BE49-F238E27FC236}">
+                <a16:creationId xmlns:a16="http://schemas.microsoft.com/office/drawing/2014/main" id="{8CD25EAB-F9E4-1FD4-BF9B-9BABFC718024}"/>
+              </a:ext>
+            </a:extLst>
+          </p:cNvPr>
+          <p:cNvSpPr>
+            <a:spLocks noGrp="1"/>
+          </p:cNvSpPr>
+          <p:nvPr>
+            <p:ph type="body" idx="1"/>
+          </p:nvPr>
+        </p:nvSpPr>
+        <p:spPr/>
+        <p:txBody>
+          <a:bodyPr/>
+          <a:lstStyle/>
+          <a:p>
+            <a:endParaRPr lang="en-US" dirty="0"/>
+          </a:p>
+        </p:txBody>
+      </p:sp>
+      <p:sp>
+        <p:nvSpPr>
+          <p:cNvPr id="4" name="Slide Number Placeholder 3">
+            <a:extLst>
+              <a:ext uri="{FF2B5EF4-FFF2-40B4-BE49-F238E27FC236}">
+                <a16:creationId xmlns:a16="http://schemas.microsoft.com/office/drawing/2014/main" id="{72F0F5E7-96C3-60C9-C6A7-3D9653443BAE}"/>
+              </a:ext>
+            </a:extLst>
+          </p:cNvPr>
+          <p:cNvSpPr>
+            <a:spLocks noGrp="1"/>
+          </p:cNvSpPr>
+          <p:nvPr>
+            <p:ph type="sldNum" sz="quarter" idx="5"/>
+          </p:nvPr>
+        </p:nvSpPr>
+        <p:spPr/>
+        <p:txBody>
+          <a:bodyPr/>
+          <a:lstStyle/>
+          <a:p>
+            <a:fld id="{A89C7E07-3C67-C64C-8DA0-0404F6303970}" type="slidenum">
+              <a:rPr lang="en-US" smtClean="0"/>
+              <a:t>2</a:t>
+            </a:fld>
+            <a:endParaRPr lang="en-US" dirty="0"/>
+          </a:p>
+        </p:txBody>
+      </p:sp>
+    </p:spTree>
+    <p:extLst>
+      <p:ext uri="{BB962C8B-B14F-4D97-AF65-F5344CB8AC3E}">
+        <p14:creationId xmlns:p14="http://schemas.microsoft.com/office/powerpoint/2010/main" val="1242922633"/>
       </p:ext>
     </p:extLst>
   </p:cSld>
@@ -9110,6 +9220,231 @@
             <a:br>
               <a:rPr lang="en-US" altLang="zh-CN" dirty="0"/>
             </a:br>
+            <a:endParaRPr lang="en-US" dirty="0"/>
+          </a:p>
+        </p:txBody>
+      </p:sp>
+      <p:pic>
+        <p:nvPicPr>
+          <p:cNvPr id="4" name="Picture 3">
+            <a:extLst>
+              <a:ext uri="{FF2B5EF4-FFF2-40B4-BE49-F238E27FC236}">
+                <a16:creationId xmlns:a16="http://schemas.microsoft.com/office/drawing/2014/main" id="{4931DD52-42C0-5D00-E301-DC0B0E4E7BD0}"/>
+              </a:ext>
+            </a:extLst>
+          </p:cNvPr>
+          <p:cNvPicPr>
+            <a:picLocks noChangeAspect="1"/>
+          </p:cNvPicPr>
+          <p:nvPr/>
+        </p:nvPicPr>
+        <p:blipFill>
+          <a:blip r:embed="rId3"/>
+          <a:stretch>
+            <a:fillRect/>
+          </a:stretch>
+        </p:blipFill>
+        <p:spPr>
+          <a:xfrm>
+            <a:off x="2523500" y="913502"/>
+            <a:ext cx="2924736" cy="4279577"/>
+          </a:xfrm>
+          <a:prstGeom prst="rect">
+            <a:avLst/>
+          </a:prstGeom>
+          <a:ln>
+            <a:noFill/>
+          </a:ln>
+          <a:effectLst>
+            <a:outerShdw blurRad="292100" dist="139700" dir="2700000" algn="tl" rotWithShape="0">
+              <a:srgbClr val="333333">
+                <a:alpha val="65000"/>
+              </a:srgbClr>
+            </a:outerShdw>
+          </a:effectLst>
+        </p:spPr>
+      </p:pic>
+      <p:pic>
+        <p:nvPicPr>
+          <p:cNvPr id="5" name="Picture 4">
+            <a:extLst>
+              <a:ext uri="{FF2B5EF4-FFF2-40B4-BE49-F238E27FC236}">
+                <a16:creationId xmlns:a16="http://schemas.microsoft.com/office/drawing/2014/main" id="{4DA5CDE3-751F-AB57-4943-65FAED794E5A}"/>
+              </a:ext>
+            </a:extLst>
+          </p:cNvPr>
+          <p:cNvPicPr>
+            <a:picLocks noChangeAspect="1"/>
+          </p:cNvPicPr>
+          <p:nvPr/>
+        </p:nvPicPr>
+        <p:blipFill>
+          <a:blip r:embed="rId4"/>
+          <a:stretch>
+            <a:fillRect/>
+          </a:stretch>
+        </p:blipFill>
+        <p:spPr>
+          <a:xfrm>
+            <a:off x="371971" y="6052066"/>
+            <a:ext cx="2810500" cy="585267"/>
+          </a:xfrm>
+          <a:prstGeom prst="rect">
+            <a:avLst/>
+          </a:prstGeom>
+          <a:ln>
+            <a:noFill/>
+          </a:ln>
+          <a:effectLst>
+            <a:outerShdw blurRad="292100" dist="139700" dir="2700000" algn="tl" rotWithShape="0">
+              <a:srgbClr val="333333">
+                <a:alpha val="65000"/>
+              </a:srgbClr>
+            </a:outerShdw>
+          </a:effectLst>
+        </p:spPr>
+      </p:pic>
+      <p:sp>
+        <p:nvSpPr>
+          <p:cNvPr id="7" name="TextBox 6">
+            <a:extLst>
+              <a:ext uri="{FF2B5EF4-FFF2-40B4-BE49-F238E27FC236}">
+                <a16:creationId xmlns:a16="http://schemas.microsoft.com/office/drawing/2014/main" id="{B4509B74-346D-8B40-69FB-F96C968F7C0B}"/>
+              </a:ext>
+            </a:extLst>
+          </p:cNvPr>
+          <p:cNvSpPr txBox="1"/>
+          <p:nvPr/>
+        </p:nvSpPr>
+        <p:spPr>
+          <a:xfrm>
+            <a:off x="5885394" y="6268001"/>
+            <a:ext cx="5827059" cy="400110"/>
+          </a:xfrm>
+          <a:prstGeom prst="rect">
+            <a:avLst/>
+          </a:prstGeom>
+          <a:noFill/>
+        </p:spPr>
+        <p:txBody>
+          <a:bodyPr wrap="square">
+            <a:spAutoFit/>
+          </a:bodyPr>
+          <a:lstStyle/>
+          <a:p>
+            <a:r>
+              <a:rPr lang="en-US" sz="2000" b="1" dirty="0">
+                <a:hlinkClick r:id="rId5"/>
+              </a:rPr>
+              <a:t>https://github.com/yasenstar/rust_in_action</a:t>
+            </a:r>
+            <a:endParaRPr lang="en-US" sz="2000" b="1" dirty="0"/>
+          </a:p>
+        </p:txBody>
+      </p:sp>
+      <p:pic>
+        <p:nvPicPr>
+          <p:cNvPr id="10" name="Picture 9">
+            <a:extLst>
+              <a:ext uri="{FF2B5EF4-FFF2-40B4-BE49-F238E27FC236}">
+                <a16:creationId xmlns:a16="http://schemas.microsoft.com/office/drawing/2014/main" id="{8DE055F2-212C-CB78-2903-748534042206}"/>
+              </a:ext>
+            </a:extLst>
+          </p:cNvPr>
+          <p:cNvPicPr>
+            <a:picLocks noChangeAspect="1"/>
+          </p:cNvPicPr>
+          <p:nvPr/>
+        </p:nvPicPr>
+        <p:blipFill>
+          <a:blip r:embed="rId6"/>
+          <a:stretch>
+            <a:fillRect/>
+          </a:stretch>
+        </p:blipFill>
+        <p:spPr>
+          <a:xfrm>
+            <a:off x="6306903" y="4096799"/>
+            <a:ext cx="5141306" cy="1846801"/>
+          </a:xfrm>
+          <a:prstGeom prst="rect">
+            <a:avLst/>
+          </a:prstGeom>
+        </p:spPr>
+      </p:pic>
+    </p:spTree>
+    <p:extLst>
+      <p:ext uri="{BB962C8B-B14F-4D97-AF65-F5344CB8AC3E}">
+        <p14:creationId xmlns:p14="http://schemas.microsoft.com/office/powerpoint/2010/main" val="3390304222"/>
+      </p:ext>
+    </p:extLst>
+  </p:cSld>
+  <p:clrMapOvr>
+    <a:masterClrMapping/>
+  </p:clrMapOvr>
+</p:sld>
+</file>
+
+<file path=ppt/slides/slide2.xml><?xml version="1.0" encoding="utf-8"?>
+<p:sld xmlns:a="http://schemas.openxmlformats.org/drawingml/2006/main" xmlns:r="http://schemas.openxmlformats.org/officeDocument/2006/relationships" xmlns:p="http://schemas.openxmlformats.org/presentationml/2006/main">
+  <p:cSld>
+    <p:spTree>
+      <p:nvGrpSpPr>
+        <p:cNvPr id="1" name="">
+          <a:extLst>
+            <a:ext uri="{FF2B5EF4-FFF2-40B4-BE49-F238E27FC236}">
+              <a16:creationId xmlns:a16="http://schemas.microsoft.com/office/drawing/2014/main" id="{7BFAA559-1A4C-A0D2-B32A-E61067B85176}"/>
+            </a:ext>
+          </a:extLst>
+        </p:cNvPr>
+        <p:cNvGrpSpPr/>
+        <p:nvPr/>
+      </p:nvGrpSpPr>
+      <p:grpSpPr>
+        <a:xfrm>
+          <a:off x="0" y="0"/>
+          <a:ext cx="0" cy="0"/>
+          <a:chOff x="0" y="0"/>
+          <a:chExt cx="0" cy="0"/>
+        </a:xfrm>
+      </p:grpSpPr>
+      <p:sp>
+        <p:nvSpPr>
+          <p:cNvPr id="2" name="Title 1">
+            <a:extLst>
+              <a:ext uri="{FF2B5EF4-FFF2-40B4-BE49-F238E27FC236}">
+                <a16:creationId xmlns:a16="http://schemas.microsoft.com/office/drawing/2014/main" id="{B9861054-3C6E-E7A5-07F8-F0DA06E210E1}"/>
+              </a:ext>
+            </a:extLst>
+          </p:cNvPr>
+          <p:cNvSpPr>
+            <a:spLocks noGrp="1"/>
+          </p:cNvSpPr>
+          <p:nvPr>
+            <p:ph type="ctrTitle"/>
+          </p:nvPr>
+        </p:nvSpPr>
+        <p:spPr>
+          <a:xfrm>
+            <a:off x="6309904" y="411479"/>
+            <a:ext cx="5486400" cy="3291840"/>
+          </a:xfrm>
+        </p:spPr>
+        <p:txBody>
+          <a:bodyPr/>
+          <a:lstStyle/>
+          <a:p>
+            <a:r>
+              <a:rPr lang="en-US" dirty="0"/>
+              <a:t>Rust </a:t>
+            </a:r>
+            <a:r>
+              <a:rPr lang="zh-CN" altLang="en-US" dirty="0"/>
+              <a:t>实战</a:t>
+            </a:r>
+            <a:br>
+              <a:rPr lang="en-US" altLang="zh-CN" dirty="0"/>
+            </a:br>
             <a:br>
               <a:rPr lang="en-US" altLang="zh-CN" dirty="0"/>
             </a:br>
@@ -9126,7 +9461,7 @@
           <p:cNvPr id="4" name="Picture 3">
             <a:extLst>
               <a:ext uri="{FF2B5EF4-FFF2-40B4-BE49-F238E27FC236}">
-                <a16:creationId xmlns:a16="http://schemas.microsoft.com/office/drawing/2014/main" id="{4931DD52-42C0-5D00-E301-DC0B0E4E7BD0}"/>
+                <a16:creationId xmlns:a16="http://schemas.microsoft.com/office/drawing/2014/main" id="{87B6547E-8ED7-6E65-4A73-DD2872AC69AA}"/>
               </a:ext>
             </a:extLst>
           </p:cNvPr>
@@ -9166,7 +9501,7 @@
           <p:cNvPr id="5" name="Picture 4">
             <a:extLst>
               <a:ext uri="{FF2B5EF4-FFF2-40B4-BE49-F238E27FC236}">
-                <a16:creationId xmlns:a16="http://schemas.microsoft.com/office/drawing/2014/main" id="{4DA5CDE3-751F-AB57-4943-65FAED794E5A}"/>
+                <a16:creationId xmlns:a16="http://schemas.microsoft.com/office/drawing/2014/main" id="{78886F04-504B-82A5-AC07-BF194EAD5DAF}"/>
               </a:ext>
             </a:extLst>
           </p:cNvPr>
@@ -9206,7 +9541,7 @@
           <p:cNvPr id="7" name="TextBox 6">
             <a:extLst>
               <a:ext uri="{FF2B5EF4-FFF2-40B4-BE49-F238E27FC236}">
-                <a16:creationId xmlns:a16="http://schemas.microsoft.com/office/drawing/2014/main" id="{B4509B74-346D-8B40-69FB-F96C968F7C0B}"/>
+                <a16:creationId xmlns:a16="http://schemas.microsoft.com/office/drawing/2014/main" id="{E1964AB0-7EE0-05D6-B718-4222011B7CBF}"/>
               </a:ext>
             </a:extLst>
           </p:cNvPr>
@@ -9244,7 +9579,7 @@
           <p:cNvPr id="8" name="TextBox 7">
             <a:extLst>
               <a:ext uri="{FF2B5EF4-FFF2-40B4-BE49-F238E27FC236}">
-                <a16:creationId xmlns:a16="http://schemas.microsoft.com/office/drawing/2014/main" id="{09AE3A14-1BD5-61D5-3449-2C461D705224}"/>
+                <a16:creationId xmlns:a16="http://schemas.microsoft.com/office/drawing/2014/main" id="{68A36BDD-FFF5-437C-0EC5-305428AB57AA}"/>
               </a:ext>
             </a:extLst>
           </p:cNvPr>
@@ -9293,7 +9628,7 @@
           <p:cNvPr id="10" name="Picture 9">
             <a:extLst>
               <a:ext uri="{FF2B5EF4-FFF2-40B4-BE49-F238E27FC236}">
-                <a16:creationId xmlns:a16="http://schemas.microsoft.com/office/drawing/2014/main" id="{8DE055F2-212C-CB78-2903-748534042206}"/>
+                <a16:creationId xmlns:a16="http://schemas.microsoft.com/office/drawing/2014/main" id="{A8CF8CAA-F6CA-FF22-A150-7EA18713C200}"/>
               </a:ext>
             </a:extLst>
           </p:cNvPr>
@@ -9321,7 +9656,301 @@
     </p:spTree>
     <p:extLst>
       <p:ext uri="{BB962C8B-B14F-4D97-AF65-F5344CB8AC3E}">
-        <p14:creationId xmlns:p14="http://schemas.microsoft.com/office/powerpoint/2010/main" val="3390304222"/>
+        <p14:creationId xmlns:p14="http://schemas.microsoft.com/office/powerpoint/2010/main" val="2206406683"/>
+      </p:ext>
+    </p:extLst>
+  </p:cSld>
+  <p:clrMapOvr>
+    <a:masterClrMapping/>
+  </p:clrMapOvr>
+</p:sld>
+</file>
+
+<file path=ppt/slides/slide3.xml><?xml version="1.0" encoding="utf-8"?>
+<p:sld xmlns:a="http://schemas.openxmlformats.org/drawingml/2006/main" xmlns:r="http://schemas.openxmlformats.org/officeDocument/2006/relationships" xmlns:p="http://schemas.openxmlformats.org/presentationml/2006/main">
+  <p:cSld>
+    <p:spTree>
+      <p:nvGrpSpPr>
+        <p:cNvPr id="1" name=""/>
+        <p:cNvGrpSpPr/>
+        <p:nvPr/>
+      </p:nvGrpSpPr>
+      <p:grpSpPr>
+        <a:xfrm>
+          <a:off x="0" y="0"/>
+          <a:ext cx="0" cy="0"/>
+          <a:chOff x="0" y="0"/>
+          <a:chExt cx="0" cy="0"/>
+        </a:xfrm>
+      </p:grpSpPr>
+      <p:sp>
+        <p:nvSpPr>
+          <p:cNvPr id="2" name="Title 1">
+            <a:extLst>
+              <a:ext uri="{FF2B5EF4-FFF2-40B4-BE49-F238E27FC236}">
+                <a16:creationId xmlns:a16="http://schemas.microsoft.com/office/drawing/2014/main" id="{7F353089-5173-6E99-1BE8-65049ED23213}"/>
+              </a:ext>
+            </a:extLst>
+          </p:cNvPr>
+          <p:cNvSpPr>
+            <a:spLocks noGrp="1"/>
+          </p:cNvSpPr>
+          <p:nvPr>
+            <p:ph type="title"/>
+          </p:nvPr>
+        </p:nvSpPr>
+        <p:spPr/>
+        <p:txBody>
+          <a:bodyPr/>
+          <a:lstStyle/>
+          <a:p>
+            <a:pPr>
+              <a:lnSpc>
+                <a:spcPct val="100000"/>
+              </a:lnSpc>
+            </a:pPr>
+            <a:r>
+              <a:rPr lang="en-US" dirty="0"/>
+              <a:t>Rust </a:t>
+            </a:r>
+            <a:r>
+              <a:rPr lang="zh-CN" altLang="en-US" dirty="0"/>
+              <a:t>实战</a:t>
+            </a:r>
+            <a:br>
+              <a:rPr lang="en-US" altLang="zh-CN" dirty="0"/>
+            </a:br>
+            <a:r>
+              <a:rPr lang="zh-CN" altLang="en-US" dirty="0"/>
+              <a:t>第</a:t>
+            </a:r>
+            <a:r>
+              <a:rPr lang="en-US" altLang="zh-CN" dirty="0"/>
+              <a:t>2</a:t>
+            </a:r>
+            <a:r>
+              <a:rPr lang="zh-CN" altLang="en-US" dirty="0"/>
+              <a:t>章 </a:t>
+            </a:r>
+            <a:r>
+              <a:rPr lang="en-US" altLang="zh-CN" dirty="0"/>
+              <a:t>Rust</a:t>
+            </a:r>
+            <a:r>
+              <a:rPr lang="zh-CN" altLang="en-US" dirty="0"/>
+              <a:t>语言基础 </a:t>
+            </a:r>
+            <a:r>
+              <a:rPr lang="en-US" altLang="zh-CN" dirty="0"/>
+              <a:t>- 2.1 &amp; 2.2</a:t>
+            </a:r>
+            <a:endParaRPr lang="en-US" dirty="0"/>
+          </a:p>
+        </p:txBody>
+      </p:sp>
+      <p:pic>
+        <p:nvPicPr>
+          <p:cNvPr id="5" name="Content Placeholder 4">
+            <a:extLst>
+              <a:ext uri="{FF2B5EF4-FFF2-40B4-BE49-F238E27FC236}">
+                <a16:creationId xmlns:a16="http://schemas.microsoft.com/office/drawing/2014/main" id="{C9FC9B4A-B721-B965-A941-1B94763CB561}"/>
+              </a:ext>
+            </a:extLst>
+          </p:cNvPr>
+          <p:cNvPicPr>
+            <a:picLocks noGrp="1" noChangeAspect="1"/>
+          </p:cNvPicPr>
+          <p:nvPr>
+            <p:ph sz="quarter" idx="13"/>
+          </p:nvPr>
+        </p:nvPicPr>
+        <p:blipFill>
+          <a:blip r:embed="rId2"/>
+          <a:stretch>
+            <a:fillRect/>
+          </a:stretch>
+        </p:blipFill>
+        <p:spPr>
+          <a:xfrm>
+            <a:off x="4381328" y="1945552"/>
+            <a:ext cx="6940263" cy="4036148"/>
+          </a:xfrm>
+        </p:spPr>
+      </p:pic>
+      <p:pic>
+        <p:nvPicPr>
+          <p:cNvPr id="6" name="Picture 5">
+            <a:extLst>
+              <a:ext uri="{FF2B5EF4-FFF2-40B4-BE49-F238E27FC236}">
+                <a16:creationId xmlns:a16="http://schemas.microsoft.com/office/drawing/2014/main" id="{35475DBC-0605-E1D4-28A7-5BF22055D70B}"/>
+              </a:ext>
+            </a:extLst>
+          </p:cNvPr>
+          <p:cNvPicPr>
+            <a:picLocks noChangeAspect="1"/>
+          </p:cNvPicPr>
+          <p:nvPr/>
+        </p:nvPicPr>
+        <p:blipFill>
+          <a:blip r:embed="rId3"/>
+          <a:stretch>
+            <a:fillRect/>
+          </a:stretch>
+        </p:blipFill>
+        <p:spPr>
+          <a:xfrm>
+            <a:off x="371971" y="2447668"/>
+            <a:ext cx="1750359" cy="2561187"/>
+          </a:xfrm>
+          <a:prstGeom prst="rect">
+            <a:avLst/>
+          </a:prstGeom>
+          <a:ln>
+            <a:noFill/>
+          </a:ln>
+          <a:effectLst>
+            <a:outerShdw blurRad="292100" dist="139700" dir="2700000" algn="tl" rotWithShape="0">
+              <a:srgbClr val="333333">
+                <a:alpha val="65000"/>
+              </a:srgbClr>
+            </a:outerShdw>
+          </a:effectLst>
+        </p:spPr>
+      </p:pic>
+      <p:pic>
+        <p:nvPicPr>
+          <p:cNvPr id="7" name="Picture 6">
+            <a:extLst>
+              <a:ext uri="{FF2B5EF4-FFF2-40B4-BE49-F238E27FC236}">
+                <a16:creationId xmlns:a16="http://schemas.microsoft.com/office/drawing/2014/main" id="{EE1DE03F-E169-7A57-9314-BCDFF42A13A3}"/>
+              </a:ext>
+            </a:extLst>
+          </p:cNvPr>
+          <p:cNvPicPr>
+            <a:picLocks noChangeAspect="1"/>
+          </p:cNvPicPr>
+          <p:nvPr/>
+        </p:nvPicPr>
+        <p:blipFill>
+          <a:blip r:embed="rId4"/>
+          <a:stretch>
+            <a:fillRect/>
+          </a:stretch>
+        </p:blipFill>
+        <p:spPr>
+          <a:xfrm>
+            <a:off x="371971" y="6052066"/>
+            <a:ext cx="2810500" cy="585267"/>
+          </a:xfrm>
+          <a:prstGeom prst="rect">
+            <a:avLst/>
+          </a:prstGeom>
+          <a:ln>
+            <a:noFill/>
+          </a:ln>
+          <a:effectLst>
+            <a:outerShdw blurRad="292100" dist="139700" dir="2700000" algn="tl" rotWithShape="0">
+              <a:srgbClr val="333333">
+                <a:alpha val="65000"/>
+              </a:srgbClr>
+            </a:outerShdw>
+          </a:effectLst>
+        </p:spPr>
+      </p:pic>
+      <p:sp>
+        <p:nvSpPr>
+          <p:cNvPr id="8" name="TextBox 7">
+            <a:extLst>
+              <a:ext uri="{FF2B5EF4-FFF2-40B4-BE49-F238E27FC236}">
+                <a16:creationId xmlns:a16="http://schemas.microsoft.com/office/drawing/2014/main" id="{BF821DCC-A251-4A83-D6E3-43CDFF7105C9}"/>
+              </a:ext>
+            </a:extLst>
+          </p:cNvPr>
+          <p:cNvSpPr txBox="1"/>
+          <p:nvPr/>
+        </p:nvSpPr>
+        <p:spPr>
+          <a:xfrm>
+            <a:off x="4381328" y="6052066"/>
+            <a:ext cx="5827059" cy="707886"/>
+          </a:xfrm>
+          <a:prstGeom prst="rect">
+            <a:avLst/>
+          </a:prstGeom>
+          <a:noFill/>
+        </p:spPr>
+        <p:txBody>
+          <a:bodyPr wrap="square">
+            <a:spAutoFit/>
+          </a:bodyPr>
+          <a:lstStyle/>
+          <a:p>
+            <a:r>
+              <a:rPr lang="en-US" sz="2000" b="1" dirty="0">
+                <a:hlinkClick r:id="rId5"/>
+              </a:rPr>
+              <a:t>https://github.com/yasenstar/rust_in_action</a:t>
+            </a:r>
+            <a:endParaRPr lang="en-US" sz="2000" b="1" dirty="0"/>
+          </a:p>
+          <a:p>
+            <a:endParaRPr lang="en-US" sz="2000" b="1" dirty="0"/>
+          </a:p>
+        </p:txBody>
+      </p:sp>
+      <p:sp>
+        <p:nvSpPr>
+          <p:cNvPr id="9" name="TextBox 8">
+            <a:extLst>
+              <a:ext uri="{FF2B5EF4-FFF2-40B4-BE49-F238E27FC236}">
+                <a16:creationId xmlns:a16="http://schemas.microsoft.com/office/drawing/2014/main" id="{AD975373-2DDD-C37F-6552-903B037B3B6C}"/>
+              </a:ext>
+            </a:extLst>
+          </p:cNvPr>
+          <p:cNvSpPr txBox="1"/>
+          <p:nvPr/>
+        </p:nvSpPr>
+        <p:spPr>
+          <a:xfrm>
+            <a:off x="2277415" y="2939530"/>
+            <a:ext cx="1810112" cy="1200329"/>
+          </a:xfrm>
+          <a:prstGeom prst="rect">
+            <a:avLst/>
+          </a:prstGeom>
+          <a:noFill/>
+        </p:spPr>
+        <p:txBody>
+          <a:bodyPr wrap="none" rtlCol="0">
+            <a:spAutoFit/>
+          </a:bodyPr>
+          <a:lstStyle/>
+          <a:p>
+            <a:pPr algn="ctr"/>
+            <a:r>
+              <a:rPr lang="en-US" sz="7200" b="1" dirty="0">
+                <a:solidFill>
+                  <a:schemeClr val="accent1">
+                    <a:lumMod val="75000"/>
+                  </a:schemeClr>
+                </a:solidFill>
+                <a:effectLst>
+                  <a:outerShdw blurRad="38100" dist="38100" dir="2700000" algn="tl">
+                    <a:srgbClr val="000000">
+                      <a:alpha val="43137"/>
+                    </a:srgbClr>
+                  </a:outerShdw>
+                </a:effectLst>
+              </a:rPr>
+              <a:t>002</a:t>
+            </a:r>
+          </a:p>
+        </p:txBody>
+      </p:sp>
+    </p:spTree>
+    <p:extLst>
+      <p:ext uri="{BB962C8B-B14F-4D97-AF65-F5344CB8AC3E}">
+        <p14:creationId xmlns:p14="http://schemas.microsoft.com/office/powerpoint/2010/main" val="226639492"/>
       </p:ext>
     </p:extLst>
   </p:cSld>

--- a/rust_in_action_pages.pptx
+++ b/rust_in_action_pages.pptx
@@ -5,15 +5,16 @@
     <p:sldMasterId id="2147483658" r:id="rId4"/>
   </p:sldMasterIdLst>
   <p:notesMasterIdLst>
-    <p:notesMasterId r:id="rId8"/>
+    <p:notesMasterId r:id="rId9"/>
   </p:notesMasterIdLst>
   <p:handoutMasterIdLst>
-    <p:handoutMasterId r:id="rId9"/>
+    <p:handoutMasterId r:id="rId10"/>
   </p:handoutMasterIdLst>
   <p:sldIdLst>
     <p:sldId id="410" r:id="rId5"/>
     <p:sldId id="412" r:id="rId6"/>
     <p:sldId id="411" r:id="rId7"/>
+    <p:sldId id="413" r:id="rId8"/>
   </p:sldIdLst>
   <p:sldSz cx="12192000" cy="6858000"/>
   <p:notesSz cx="6858000" cy="9144000"/>
@@ -9683,77 +9684,12 @@
           <a:chExt cx="0" cy="0"/>
         </a:xfrm>
       </p:grpSpPr>
-      <p:sp>
-        <p:nvSpPr>
-          <p:cNvPr id="2" name="Title 1">
-            <a:extLst>
-              <a:ext uri="{FF2B5EF4-FFF2-40B4-BE49-F238E27FC236}">
-                <a16:creationId xmlns:a16="http://schemas.microsoft.com/office/drawing/2014/main" id="{7F353089-5173-6E99-1BE8-65049ED23213}"/>
-              </a:ext>
-            </a:extLst>
-          </p:cNvPr>
-          <p:cNvSpPr>
-            <a:spLocks noGrp="1"/>
-          </p:cNvSpPr>
-          <p:nvPr>
-            <p:ph type="title"/>
-          </p:nvPr>
-        </p:nvSpPr>
-        <p:spPr/>
-        <p:txBody>
-          <a:bodyPr/>
-          <a:lstStyle/>
-          <a:p>
-            <a:pPr>
-              <a:lnSpc>
-                <a:spcPct val="100000"/>
-              </a:lnSpc>
-            </a:pPr>
-            <a:r>
-              <a:rPr lang="en-US" dirty="0"/>
-              <a:t>Rust </a:t>
-            </a:r>
-            <a:r>
-              <a:rPr lang="zh-CN" altLang="en-US" dirty="0"/>
-              <a:t>实战</a:t>
-            </a:r>
-            <a:br>
-              <a:rPr lang="en-US" altLang="zh-CN" dirty="0"/>
-            </a:br>
-            <a:r>
-              <a:rPr lang="zh-CN" altLang="en-US" dirty="0"/>
-              <a:t>第</a:t>
-            </a:r>
-            <a:r>
-              <a:rPr lang="en-US" altLang="zh-CN" dirty="0"/>
-              <a:t>2</a:t>
-            </a:r>
-            <a:r>
-              <a:rPr lang="zh-CN" altLang="en-US" dirty="0"/>
-              <a:t>章 </a:t>
-            </a:r>
-            <a:r>
-              <a:rPr lang="en-US" altLang="zh-CN" dirty="0"/>
-              <a:t>Rust</a:t>
-            </a:r>
-            <a:r>
-              <a:rPr lang="zh-CN" altLang="en-US" dirty="0"/>
-              <a:t>语言基础 </a:t>
-            </a:r>
-            <a:r>
-              <a:rPr lang="en-US" altLang="zh-CN" dirty="0"/>
-              <a:t>- 2.1 &amp; 2.2</a:t>
-            </a:r>
-            <a:endParaRPr lang="en-US" dirty="0"/>
-          </a:p>
-        </p:txBody>
-      </p:sp>
       <p:pic>
         <p:nvPicPr>
-          <p:cNvPr id="5" name="Content Placeholder 4">
+          <p:cNvPr id="13" name="Content Placeholder 12">
             <a:extLst>
               <a:ext uri="{FF2B5EF4-FFF2-40B4-BE49-F238E27FC236}">
-                <a16:creationId xmlns:a16="http://schemas.microsoft.com/office/drawing/2014/main" id="{C9FC9B4A-B721-B965-A941-1B94763CB561}"/>
+                <a16:creationId xmlns:a16="http://schemas.microsoft.com/office/drawing/2014/main" id="{6538494F-5F9B-7299-A2C7-F2289078FE95}"/>
               </a:ext>
             </a:extLst>
           </p:cNvPr>
@@ -9772,11 +9708,93 @@
         </p:blipFill>
         <p:spPr>
           <a:xfrm>
-            <a:off x="4381328" y="1945552"/>
-            <a:ext cx="6940263" cy="4036148"/>
+            <a:off x="4402126" y="1845405"/>
+            <a:ext cx="7065974" cy="4136295"/>
           </a:xfrm>
+          <a:prstGeom prst="rect">
+            <a:avLst/>
+          </a:prstGeom>
+          <a:ln>
+            <a:noFill/>
+          </a:ln>
+          <a:effectLst>
+            <a:outerShdw blurRad="292100" dist="139700" dir="2700000" algn="tl" rotWithShape="0">
+              <a:srgbClr val="333333">
+                <a:alpha val="65000"/>
+              </a:srgbClr>
+            </a:outerShdw>
+          </a:effectLst>
         </p:spPr>
       </p:pic>
+      <p:sp>
+        <p:nvSpPr>
+          <p:cNvPr id="2" name="Title 1">
+            <a:extLst>
+              <a:ext uri="{FF2B5EF4-FFF2-40B4-BE49-F238E27FC236}">
+                <a16:creationId xmlns:a16="http://schemas.microsoft.com/office/drawing/2014/main" id="{7F353089-5173-6E99-1BE8-65049ED23213}"/>
+              </a:ext>
+            </a:extLst>
+          </p:cNvPr>
+          <p:cNvSpPr>
+            <a:spLocks noGrp="1"/>
+          </p:cNvSpPr>
+          <p:nvPr>
+            <p:ph type="title"/>
+          </p:nvPr>
+        </p:nvSpPr>
+        <p:spPr/>
+        <p:txBody>
+          <a:bodyPr/>
+          <a:lstStyle/>
+          <a:p>
+            <a:pPr>
+              <a:lnSpc>
+                <a:spcPct val="100000"/>
+              </a:lnSpc>
+            </a:pPr>
+            <a:r>
+              <a:rPr lang="en-US" dirty="0"/>
+              <a:t>Rust </a:t>
+            </a:r>
+            <a:r>
+              <a:rPr lang="zh-CN" altLang="en-US" dirty="0"/>
+              <a:t>实战</a:t>
+            </a:r>
+            <a:br>
+              <a:rPr lang="en-US" altLang="zh-CN" dirty="0"/>
+            </a:br>
+            <a:r>
+              <a:rPr lang="zh-CN" altLang="en-US" dirty="0"/>
+              <a:t>第</a:t>
+            </a:r>
+            <a:r>
+              <a:rPr lang="en-US" altLang="zh-CN" dirty="0"/>
+              <a:t>2</a:t>
+            </a:r>
+            <a:r>
+              <a:rPr lang="zh-CN" altLang="en-US" dirty="0"/>
+              <a:t>章 </a:t>
+            </a:r>
+            <a:r>
+              <a:rPr lang="en-US" altLang="zh-CN" dirty="0"/>
+              <a:t>Rust</a:t>
+            </a:r>
+            <a:r>
+              <a:rPr lang="zh-CN" altLang="en-US" dirty="0"/>
+              <a:t>语言基础 </a:t>
+            </a:r>
+            <a:r>
+              <a:rPr lang="en-US" altLang="zh-CN" dirty="0"/>
+              <a:t>- 2.1 </a:t>
+            </a:r>
+            <a:r>
+              <a:rPr lang="zh-CN" altLang="en-US" dirty="0"/>
+              <a:t>可运行的程序</a:t>
+            </a:r>
+            <a:endParaRPr lang="en-US" dirty="0"/>
+          </a:p>
+        </p:txBody>
+      </p:sp>
       <p:pic>
         <p:nvPicPr>
           <p:cNvPr id="6" name="Picture 5">
@@ -9872,7 +9890,7 @@
         <p:spPr>
           <a:xfrm>
             <a:off x="4381328" y="6052066"/>
-            <a:ext cx="5827059" cy="707886"/>
+            <a:ext cx="6940263" cy="707886"/>
           </a:xfrm>
           <a:prstGeom prst="rect">
             <a:avLst/>
@@ -9886,15 +9904,51 @@
           <a:lstStyle/>
           <a:p>
             <a:r>
+              <a:rPr lang="en-US" altLang="zh-CN" sz="2000" b="1" dirty="0">
+                <a:solidFill>
+                  <a:schemeClr val="bg1"/>
+                </a:solidFill>
+              </a:rPr>
+              <a:t>GitHub: </a:t>
+            </a:r>
+            <a:r>
               <a:rPr lang="en-US" sz="2000" b="1" dirty="0">
+                <a:solidFill>
+                  <a:schemeClr val="bg1"/>
+                </a:solidFill>
                 <a:hlinkClick r:id="rId5"/>
               </a:rPr>
               <a:t>https://github.com/yasenstar/rust_in_action</a:t>
             </a:r>
-            <a:endParaRPr lang="en-US" sz="2000" b="1" dirty="0"/>
-          </a:p>
-          <a:p>
-            <a:endParaRPr lang="en-US" sz="2000" b="1" dirty="0"/>
+            <a:endParaRPr lang="en-US" sz="2000" b="1" dirty="0">
+              <a:solidFill>
+                <a:schemeClr val="bg1"/>
+              </a:solidFill>
+            </a:endParaRPr>
+          </a:p>
+          <a:p>
+            <a:r>
+              <a:rPr lang="en-US" sz="2000" b="1" dirty="0">
+                <a:solidFill>
+                  <a:schemeClr val="bg1"/>
+                </a:solidFill>
+              </a:rPr>
+              <a:t>Gitee: </a:t>
+            </a:r>
+            <a:r>
+              <a:rPr lang="en-US" sz="2000" b="1" dirty="0">
+                <a:solidFill>
+                  <a:schemeClr val="bg1"/>
+                </a:solidFill>
+                <a:hlinkClick r:id="rId6"/>
+              </a:rPr>
+              <a:t>https://gitee.com/yasenstar/rust_in_action</a:t>
+            </a:r>
+            <a:endParaRPr lang="en-US" sz="2000" b="1" dirty="0">
+              <a:solidFill>
+                <a:schemeClr val="bg1"/>
+              </a:solidFill>
+            </a:endParaRPr>
           </a:p>
         </p:txBody>
       </p:sp>
@@ -9951,6 +10005,367 @@
     <p:extLst>
       <p:ext uri="{BB962C8B-B14F-4D97-AF65-F5344CB8AC3E}">
         <p14:creationId xmlns:p14="http://schemas.microsoft.com/office/powerpoint/2010/main" val="226639492"/>
+      </p:ext>
+    </p:extLst>
+  </p:cSld>
+  <p:clrMapOvr>
+    <a:masterClrMapping/>
+  </p:clrMapOvr>
+</p:sld>
+</file>
+
+<file path=ppt/slides/slide4.xml><?xml version="1.0" encoding="utf-8"?>
+<p:sld xmlns:a="http://schemas.openxmlformats.org/drawingml/2006/main" xmlns:r="http://schemas.openxmlformats.org/officeDocument/2006/relationships" xmlns:p="http://schemas.openxmlformats.org/presentationml/2006/main">
+  <p:cSld>
+    <p:spTree>
+      <p:nvGrpSpPr>
+        <p:cNvPr id="1" name="">
+          <a:extLst>
+            <a:ext uri="{FF2B5EF4-FFF2-40B4-BE49-F238E27FC236}">
+              <a16:creationId xmlns:a16="http://schemas.microsoft.com/office/drawing/2014/main" id="{919E1B66-44D7-2D20-0F1A-A2A28597D531}"/>
+            </a:ext>
+          </a:extLst>
+        </p:cNvPr>
+        <p:cNvGrpSpPr/>
+        <p:nvPr/>
+      </p:nvGrpSpPr>
+      <p:grpSpPr>
+        <a:xfrm>
+          <a:off x="0" y="0"/>
+          <a:ext cx="0" cy="0"/>
+          <a:chOff x="0" y="0"/>
+          <a:chExt cx="0" cy="0"/>
+        </a:xfrm>
+      </p:grpSpPr>
+      <p:sp>
+        <p:nvSpPr>
+          <p:cNvPr id="2" name="Title 1">
+            <a:extLst>
+              <a:ext uri="{FF2B5EF4-FFF2-40B4-BE49-F238E27FC236}">
+                <a16:creationId xmlns:a16="http://schemas.microsoft.com/office/drawing/2014/main" id="{8C272ACB-79F2-6A26-E4BE-400A29ACB256}"/>
+              </a:ext>
+            </a:extLst>
+          </p:cNvPr>
+          <p:cNvSpPr>
+            <a:spLocks noGrp="1"/>
+          </p:cNvSpPr>
+          <p:nvPr>
+            <p:ph type="title"/>
+          </p:nvPr>
+        </p:nvSpPr>
+        <p:spPr/>
+        <p:txBody>
+          <a:bodyPr/>
+          <a:lstStyle/>
+          <a:p>
+            <a:pPr>
+              <a:lnSpc>
+                <a:spcPct val="100000"/>
+              </a:lnSpc>
+            </a:pPr>
+            <a:r>
+              <a:rPr lang="en-US" dirty="0"/>
+              <a:t>Rust </a:t>
+            </a:r>
+            <a:r>
+              <a:rPr lang="zh-CN" altLang="en-US" dirty="0"/>
+              <a:t>实战</a:t>
+            </a:r>
+            <a:br>
+              <a:rPr lang="en-US" altLang="zh-CN" dirty="0"/>
+            </a:br>
+            <a:r>
+              <a:rPr lang="zh-CN" altLang="en-US" dirty="0"/>
+              <a:t>第</a:t>
+            </a:r>
+            <a:r>
+              <a:rPr lang="en-US" altLang="zh-CN" dirty="0"/>
+              <a:t>2</a:t>
+            </a:r>
+            <a:r>
+              <a:rPr lang="zh-CN" altLang="en-US" dirty="0"/>
+              <a:t>章 </a:t>
+            </a:r>
+            <a:r>
+              <a:rPr lang="en-US" altLang="zh-CN" dirty="0"/>
+              <a:t>Rust</a:t>
+            </a:r>
+            <a:r>
+              <a:rPr lang="zh-CN" altLang="en-US" dirty="0"/>
+              <a:t>语言基础 </a:t>
+            </a:r>
+            <a:r>
+              <a:rPr lang="en-US" altLang="zh-CN" dirty="0"/>
+              <a:t>- 2.2 </a:t>
+            </a:r>
+            <a:r>
+              <a:rPr lang="zh-CN" altLang="en-US" dirty="0"/>
+              <a:t>初探</a:t>
+            </a:r>
+            <a:r>
+              <a:rPr lang="en-US" altLang="zh-CN" dirty="0"/>
+              <a:t>Rust</a:t>
+            </a:r>
+            <a:r>
+              <a:rPr lang="zh-CN" altLang="en-US" dirty="0"/>
+              <a:t>语法</a:t>
+            </a:r>
+            <a:endParaRPr lang="en-US" dirty="0"/>
+          </a:p>
+        </p:txBody>
+      </p:sp>
+      <p:pic>
+        <p:nvPicPr>
+          <p:cNvPr id="6" name="Picture 5">
+            <a:extLst>
+              <a:ext uri="{FF2B5EF4-FFF2-40B4-BE49-F238E27FC236}">
+                <a16:creationId xmlns:a16="http://schemas.microsoft.com/office/drawing/2014/main" id="{C303BFFA-8F09-0F40-7545-7939B9E29DB6}"/>
+              </a:ext>
+            </a:extLst>
+          </p:cNvPr>
+          <p:cNvPicPr>
+            <a:picLocks noChangeAspect="1"/>
+          </p:cNvPicPr>
+          <p:nvPr/>
+        </p:nvPicPr>
+        <p:blipFill>
+          <a:blip r:embed="rId2"/>
+          <a:stretch>
+            <a:fillRect/>
+          </a:stretch>
+        </p:blipFill>
+        <p:spPr>
+          <a:xfrm>
+            <a:off x="371971" y="2447668"/>
+            <a:ext cx="1750359" cy="2561187"/>
+          </a:xfrm>
+          <a:prstGeom prst="rect">
+            <a:avLst/>
+          </a:prstGeom>
+          <a:ln>
+            <a:noFill/>
+          </a:ln>
+          <a:effectLst>
+            <a:outerShdw blurRad="292100" dist="139700" dir="2700000" algn="tl" rotWithShape="0">
+              <a:srgbClr val="333333">
+                <a:alpha val="65000"/>
+              </a:srgbClr>
+            </a:outerShdw>
+          </a:effectLst>
+        </p:spPr>
+      </p:pic>
+      <p:pic>
+        <p:nvPicPr>
+          <p:cNvPr id="7" name="Picture 6">
+            <a:extLst>
+              <a:ext uri="{FF2B5EF4-FFF2-40B4-BE49-F238E27FC236}">
+                <a16:creationId xmlns:a16="http://schemas.microsoft.com/office/drawing/2014/main" id="{93A91E23-81AF-3C11-E7ED-2E80D3394F80}"/>
+              </a:ext>
+            </a:extLst>
+          </p:cNvPr>
+          <p:cNvPicPr>
+            <a:picLocks noChangeAspect="1"/>
+          </p:cNvPicPr>
+          <p:nvPr/>
+        </p:nvPicPr>
+        <p:blipFill>
+          <a:blip r:embed="rId3"/>
+          <a:stretch>
+            <a:fillRect/>
+          </a:stretch>
+        </p:blipFill>
+        <p:spPr>
+          <a:xfrm>
+            <a:off x="371971" y="6052066"/>
+            <a:ext cx="2810500" cy="585267"/>
+          </a:xfrm>
+          <a:prstGeom prst="rect">
+            <a:avLst/>
+          </a:prstGeom>
+          <a:ln>
+            <a:noFill/>
+          </a:ln>
+          <a:effectLst>
+            <a:outerShdw blurRad="292100" dist="139700" dir="2700000" algn="tl" rotWithShape="0">
+              <a:srgbClr val="333333">
+                <a:alpha val="65000"/>
+              </a:srgbClr>
+            </a:outerShdw>
+          </a:effectLst>
+        </p:spPr>
+      </p:pic>
+      <p:sp>
+        <p:nvSpPr>
+          <p:cNvPr id="8" name="TextBox 7">
+            <a:extLst>
+              <a:ext uri="{FF2B5EF4-FFF2-40B4-BE49-F238E27FC236}">
+                <a16:creationId xmlns:a16="http://schemas.microsoft.com/office/drawing/2014/main" id="{66C57D42-28C9-4A8B-12FD-72135B2A47F4}"/>
+              </a:ext>
+            </a:extLst>
+          </p:cNvPr>
+          <p:cNvSpPr txBox="1"/>
+          <p:nvPr/>
+        </p:nvSpPr>
+        <p:spPr>
+          <a:xfrm>
+            <a:off x="4381328" y="6052066"/>
+            <a:ext cx="6940263" cy="707886"/>
+          </a:xfrm>
+          <a:prstGeom prst="rect">
+            <a:avLst/>
+          </a:prstGeom>
+          <a:noFill/>
+        </p:spPr>
+        <p:txBody>
+          <a:bodyPr wrap="square">
+            <a:spAutoFit/>
+          </a:bodyPr>
+          <a:lstStyle/>
+          <a:p>
+            <a:r>
+              <a:rPr lang="en-US" altLang="zh-CN" sz="2000" b="1" dirty="0">
+                <a:solidFill>
+                  <a:schemeClr val="bg1"/>
+                </a:solidFill>
+              </a:rPr>
+              <a:t>GitHub: </a:t>
+            </a:r>
+            <a:r>
+              <a:rPr lang="en-US" sz="2000" b="1" dirty="0">
+                <a:solidFill>
+                  <a:schemeClr val="bg1"/>
+                </a:solidFill>
+                <a:hlinkClick r:id="rId4"/>
+              </a:rPr>
+              <a:t>https://github.com/yasenstar/rust_in_action</a:t>
+            </a:r>
+            <a:endParaRPr lang="en-US" sz="2000" b="1" dirty="0">
+              <a:solidFill>
+                <a:schemeClr val="bg1"/>
+              </a:solidFill>
+            </a:endParaRPr>
+          </a:p>
+          <a:p>
+            <a:r>
+              <a:rPr lang="en-US" sz="2000" b="1" dirty="0">
+                <a:solidFill>
+                  <a:schemeClr val="bg1"/>
+                </a:solidFill>
+              </a:rPr>
+              <a:t>Gitee: </a:t>
+            </a:r>
+            <a:r>
+              <a:rPr lang="en-US" sz="2000" b="1" dirty="0">
+                <a:solidFill>
+                  <a:schemeClr val="bg1"/>
+                </a:solidFill>
+                <a:hlinkClick r:id="rId5"/>
+              </a:rPr>
+              <a:t>https://gitee.com/yasenstar/rust_in_action</a:t>
+            </a:r>
+            <a:endParaRPr lang="en-US" sz="2000" b="1" dirty="0">
+              <a:solidFill>
+                <a:schemeClr val="bg1"/>
+              </a:solidFill>
+            </a:endParaRPr>
+          </a:p>
+        </p:txBody>
+      </p:sp>
+      <p:sp>
+        <p:nvSpPr>
+          <p:cNvPr id="9" name="TextBox 8">
+            <a:extLst>
+              <a:ext uri="{FF2B5EF4-FFF2-40B4-BE49-F238E27FC236}">
+                <a16:creationId xmlns:a16="http://schemas.microsoft.com/office/drawing/2014/main" id="{F6B3B0A5-9F43-9D8C-B1F1-B815FBFB84A3}"/>
+              </a:ext>
+            </a:extLst>
+          </p:cNvPr>
+          <p:cNvSpPr txBox="1"/>
+          <p:nvPr/>
+        </p:nvSpPr>
+        <p:spPr>
+          <a:xfrm>
+            <a:off x="2277415" y="2939530"/>
+            <a:ext cx="1810112" cy="1200329"/>
+          </a:xfrm>
+          <a:prstGeom prst="rect">
+            <a:avLst/>
+          </a:prstGeom>
+          <a:noFill/>
+        </p:spPr>
+        <p:txBody>
+          <a:bodyPr wrap="none" rtlCol="0">
+            <a:spAutoFit/>
+          </a:bodyPr>
+          <a:lstStyle/>
+          <a:p>
+            <a:pPr algn="ctr"/>
+            <a:r>
+              <a:rPr lang="en-US" sz="7200" b="1" dirty="0">
+                <a:solidFill>
+                  <a:schemeClr val="accent1">
+                    <a:lumMod val="75000"/>
+                  </a:schemeClr>
+                </a:solidFill>
+                <a:effectLst>
+                  <a:outerShdw blurRad="38100" dist="38100" dir="2700000" algn="tl">
+                    <a:srgbClr val="000000">
+                      <a:alpha val="43137"/>
+                    </a:srgbClr>
+                  </a:outerShdw>
+                </a:effectLst>
+              </a:rPr>
+              <a:t>002</a:t>
+            </a:r>
+          </a:p>
+        </p:txBody>
+      </p:sp>
+      <p:pic>
+        <p:nvPicPr>
+          <p:cNvPr id="11" name="Content Placeholder 10">
+            <a:extLst>
+              <a:ext uri="{FF2B5EF4-FFF2-40B4-BE49-F238E27FC236}">
+                <a16:creationId xmlns:a16="http://schemas.microsoft.com/office/drawing/2014/main" id="{0F23E5FA-6859-9D22-41C1-75EF73DC5931}"/>
+              </a:ext>
+            </a:extLst>
+          </p:cNvPr>
+          <p:cNvPicPr>
+            <a:picLocks noGrp="1" noChangeAspect="1"/>
+          </p:cNvPicPr>
+          <p:nvPr>
+            <p:ph sz="quarter" idx="13"/>
+          </p:nvPr>
+        </p:nvPicPr>
+        <p:blipFill>
+          <a:blip r:embed="rId6"/>
+          <a:stretch>
+            <a:fillRect/>
+          </a:stretch>
+        </p:blipFill>
+        <p:spPr>
+          <a:xfrm>
+            <a:off x="4381328" y="1783080"/>
+            <a:ext cx="6725018" cy="4194766"/>
+          </a:xfrm>
+          <a:prstGeom prst="rect">
+            <a:avLst/>
+          </a:prstGeom>
+          <a:ln>
+            <a:noFill/>
+          </a:ln>
+          <a:effectLst>
+            <a:outerShdw blurRad="292100" dist="139700" dir="2700000" algn="tl" rotWithShape="0">
+              <a:srgbClr val="333333">
+                <a:alpha val="65000"/>
+              </a:srgbClr>
+            </a:outerShdw>
+          </a:effectLst>
+        </p:spPr>
+      </p:pic>
+    </p:spTree>
+    <p:extLst>
+      <p:ext uri="{BB962C8B-B14F-4D97-AF65-F5344CB8AC3E}">
+        <p14:creationId xmlns:p14="http://schemas.microsoft.com/office/powerpoint/2010/main" val="4277843764"/>
       </p:ext>
     </p:extLst>
   </p:cSld>

--- a/rust_in_action_pages.pptx
+++ b/rust_in_action_pages.pptx
@@ -5,16 +5,18 @@
     <p:sldMasterId id="2147483658" r:id="rId4"/>
   </p:sldMasterIdLst>
   <p:notesMasterIdLst>
-    <p:notesMasterId r:id="rId9"/>
+    <p:notesMasterId r:id="rId11"/>
   </p:notesMasterIdLst>
   <p:handoutMasterIdLst>
-    <p:handoutMasterId r:id="rId10"/>
+    <p:handoutMasterId r:id="rId12"/>
   </p:handoutMasterIdLst>
   <p:sldIdLst>
     <p:sldId id="410" r:id="rId5"/>
     <p:sldId id="412" r:id="rId6"/>
     <p:sldId id="411" r:id="rId7"/>
     <p:sldId id="413" r:id="rId8"/>
+    <p:sldId id="414" r:id="rId9"/>
+    <p:sldId id="415" r:id="rId10"/>
   </p:sldIdLst>
   <p:sldSz cx="12192000" cy="6858000"/>
   <p:notesSz cx="6858000" cy="9144000"/>
@@ -10315,7 +10317,7 @@
                   </a:outerShdw>
                 </a:effectLst>
               </a:rPr>
-              <a:t>002</a:t>
+              <a:t>003</a:t>
             </a:r>
           </a:p>
         </p:txBody>
@@ -10366,6 +10368,734 @@
     <p:extLst>
       <p:ext uri="{BB962C8B-B14F-4D97-AF65-F5344CB8AC3E}">
         <p14:creationId xmlns:p14="http://schemas.microsoft.com/office/powerpoint/2010/main" val="4277843764"/>
+      </p:ext>
+    </p:extLst>
+  </p:cSld>
+  <p:clrMapOvr>
+    <a:masterClrMapping/>
+  </p:clrMapOvr>
+</p:sld>
+</file>
+
+<file path=ppt/slides/slide5.xml><?xml version="1.0" encoding="utf-8"?>
+<p:sld xmlns:a="http://schemas.openxmlformats.org/drawingml/2006/main" xmlns:r="http://schemas.openxmlformats.org/officeDocument/2006/relationships" xmlns:p="http://schemas.openxmlformats.org/presentationml/2006/main">
+  <p:cSld>
+    <p:spTree>
+      <p:nvGrpSpPr>
+        <p:cNvPr id="1" name="">
+          <a:extLst>
+            <a:ext uri="{FF2B5EF4-FFF2-40B4-BE49-F238E27FC236}">
+              <a16:creationId xmlns:a16="http://schemas.microsoft.com/office/drawing/2014/main" id="{05EF661A-E533-4E6D-2097-D1849081895F}"/>
+            </a:ext>
+          </a:extLst>
+        </p:cNvPr>
+        <p:cNvGrpSpPr/>
+        <p:nvPr/>
+      </p:nvGrpSpPr>
+      <p:grpSpPr>
+        <a:xfrm>
+          <a:off x="0" y="0"/>
+          <a:ext cx="0" cy="0"/>
+          <a:chOff x="0" y="0"/>
+          <a:chExt cx="0" cy="0"/>
+        </a:xfrm>
+      </p:grpSpPr>
+      <p:sp>
+        <p:nvSpPr>
+          <p:cNvPr id="2" name="Title 1">
+            <a:extLst>
+              <a:ext uri="{FF2B5EF4-FFF2-40B4-BE49-F238E27FC236}">
+                <a16:creationId xmlns:a16="http://schemas.microsoft.com/office/drawing/2014/main" id="{C915D178-22BD-724E-62E7-22B7ABB7E39E}"/>
+              </a:ext>
+            </a:extLst>
+          </p:cNvPr>
+          <p:cNvSpPr>
+            <a:spLocks noGrp="1"/>
+          </p:cNvSpPr>
+          <p:nvPr>
+            <p:ph type="title"/>
+          </p:nvPr>
+        </p:nvSpPr>
+        <p:spPr/>
+        <p:txBody>
+          <a:bodyPr/>
+          <a:lstStyle/>
+          <a:p>
+            <a:pPr>
+              <a:lnSpc>
+                <a:spcPct val="100000"/>
+              </a:lnSpc>
+            </a:pPr>
+            <a:r>
+              <a:rPr lang="en-US" dirty="0"/>
+              <a:t>Rust </a:t>
+            </a:r>
+            <a:r>
+              <a:rPr lang="zh-CN" altLang="en-US" dirty="0"/>
+              <a:t>实战</a:t>
+            </a:r>
+            <a:br>
+              <a:rPr lang="en-US" altLang="zh-CN" dirty="0"/>
+            </a:br>
+            <a:r>
+              <a:rPr lang="zh-CN" altLang="en-US" dirty="0"/>
+              <a:t>第</a:t>
+            </a:r>
+            <a:r>
+              <a:rPr lang="en-US" altLang="zh-CN" dirty="0"/>
+              <a:t>2</a:t>
+            </a:r>
+            <a:r>
+              <a:rPr lang="zh-CN" altLang="en-US" dirty="0"/>
+              <a:t>章 </a:t>
+            </a:r>
+            <a:r>
+              <a:rPr lang="en-US" altLang="zh-CN" dirty="0"/>
+              <a:t>Rust</a:t>
+            </a:r>
+            <a:r>
+              <a:rPr lang="zh-CN" altLang="en-US" dirty="0"/>
+              <a:t>语言基础 </a:t>
+            </a:r>
+            <a:r>
+              <a:rPr lang="en-US" altLang="zh-CN" dirty="0"/>
+              <a:t>- 2.3 </a:t>
+            </a:r>
+            <a:r>
+              <a:rPr lang="zh-CN" altLang="en-US" dirty="0"/>
+              <a:t>数字类型 </a:t>
+            </a:r>
+            <a:r>
+              <a:rPr lang="en-US" altLang="zh-CN" dirty="0"/>
+              <a:t>– 2.3.1</a:t>
+            </a:r>
+            <a:endParaRPr lang="en-US" dirty="0"/>
+          </a:p>
+        </p:txBody>
+      </p:sp>
+      <p:pic>
+        <p:nvPicPr>
+          <p:cNvPr id="6" name="Picture 5">
+            <a:extLst>
+              <a:ext uri="{FF2B5EF4-FFF2-40B4-BE49-F238E27FC236}">
+                <a16:creationId xmlns:a16="http://schemas.microsoft.com/office/drawing/2014/main" id="{3224778A-8A10-A023-164A-1D0B4E112CC6}"/>
+              </a:ext>
+            </a:extLst>
+          </p:cNvPr>
+          <p:cNvPicPr>
+            <a:picLocks noChangeAspect="1"/>
+          </p:cNvPicPr>
+          <p:nvPr/>
+        </p:nvPicPr>
+        <p:blipFill>
+          <a:blip r:embed="rId2"/>
+          <a:stretch>
+            <a:fillRect/>
+          </a:stretch>
+        </p:blipFill>
+        <p:spPr>
+          <a:xfrm>
+            <a:off x="371971" y="2447668"/>
+            <a:ext cx="1750359" cy="2561187"/>
+          </a:xfrm>
+          <a:prstGeom prst="rect">
+            <a:avLst/>
+          </a:prstGeom>
+          <a:ln>
+            <a:noFill/>
+          </a:ln>
+          <a:effectLst>
+            <a:outerShdw blurRad="292100" dist="139700" dir="2700000" algn="tl" rotWithShape="0">
+              <a:srgbClr val="333333">
+                <a:alpha val="65000"/>
+              </a:srgbClr>
+            </a:outerShdw>
+          </a:effectLst>
+        </p:spPr>
+      </p:pic>
+      <p:pic>
+        <p:nvPicPr>
+          <p:cNvPr id="7" name="Picture 6">
+            <a:extLst>
+              <a:ext uri="{FF2B5EF4-FFF2-40B4-BE49-F238E27FC236}">
+                <a16:creationId xmlns:a16="http://schemas.microsoft.com/office/drawing/2014/main" id="{BC495750-3E56-B46E-072E-86E4FEEEA12C}"/>
+              </a:ext>
+            </a:extLst>
+          </p:cNvPr>
+          <p:cNvPicPr>
+            <a:picLocks noChangeAspect="1"/>
+          </p:cNvPicPr>
+          <p:nvPr/>
+        </p:nvPicPr>
+        <p:blipFill>
+          <a:blip r:embed="rId3"/>
+          <a:stretch>
+            <a:fillRect/>
+          </a:stretch>
+        </p:blipFill>
+        <p:spPr>
+          <a:xfrm>
+            <a:off x="371971" y="6052066"/>
+            <a:ext cx="2810500" cy="585267"/>
+          </a:xfrm>
+          <a:prstGeom prst="rect">
+            <a:avLst/>
+          </a:prstGeom>
+          <a:ln>
+            <a:noFill/>
+          </a:ln>
+          <a:effectLst>
+            <a:outerShdw blurRad="292100" dist="139700" dir="2700000" algn="tl" rotWithShape="0">
+              <a:srgbClr val="333333">
+                <a:alpha val="65000"/>
+              </a:srgbClr>
+            </a:outerShdw>
+          </a:effectLst>
+        </p:spPr>
+      </p:pic>
+      <p:sp>
+        <p:nvSpPr>
+          <p:cNvPr id="8" name="TextBox 7">
+            <a:extLst>
+              <a:ext uri="{FF2B5EF4-FFF2-40B4-BE49-F238E27FC236}">
+                <a16:creationId xmlns:a16="http://schemas.microsoft.com/office/drawing/2014/main" id="{CA1F148F-360C-8D1B-E13A-EE85531A35D2}"/>
+              </a:ext>
+            </a:extLst>
+          </p:cNvPr>
+          <p:cNvSpPr txBox="1"/>
+          <p:nvPr/>
+        </p:nvSpPr>
+        <p:spPr>
+          <a:xfrm>
+            <a:off x="4381328" y="6052066"/>
+            <a:ext cx="6940263" cy="707886"/>
+          </a:xfrm>
+          <a:prstGeom prst="rect">
+            <a:avLst/>
+          </a:prstGeom>
+          <a:noFill/>
+        </p:spPr>
+        <p:txBody>
+          <a:bodyPr wrap="square">
+            <a:spAutoFit/>
+          </a:bodyPr>
+          <a:lstStyle/>
+          <a:p>
+            <a:r>
+              <a:rPr lang="en-US" altLang="zh-CN" sz="2000" b="1" dirty="0">
+                <a:solidFill>
+                  <a:schemeClr val="bg1"/>
+                </a:solidFill>
+              </a:rPr>
+              <a:t>GitHub: </a:t>
+            </a:r>
+            <a:r>
+              <a:rPr lang="en-US" sz="2000" b="1" dirty="0">
+                <a:solidFill>
+                  <a:schemeClr val="bg1"/>
+                </a:solidFill>
+                <a:hlinkClick r:id="rId4"/>
+              </a:rPr>
+              <a:t>https://github.com/yasenstar/rust_in_action</a:t>
+            </a:r>
+            <a:endParaRPr lang="en-US" sz="2000" b="1" dirty="0">
+              <a:solidFill>
+                <a:schemeClr val="bg1"/>
+              </a:solidFill>
+            </a:endParaRPr>
+          </a:p>
+          <a:p>
+            <a:r>
+              <a:rPr lang="en-US" sz="2000" b="1" dirty="0">
+                <a:solidFill>
+                  <a:schemeClr val="bg1"/>
+                </a:solidFill>
+              </a:rPr>
+              <a:t>Gitee: </a:t>
+            </a:r>
+            <a:r>
+              <a:rPr lang="en-US" sz="2000" b="1" dirty="0">
+                <a:solidFill>
+                  <a:schemeClr val="bg1"/>
+                </a:solidFill>
+                <a:hlinkClick r:id="rId5"/>
+              </a:rPr>
+              <a:t>https://gitee.com/yasenstar/rust_in_action</a:t>
+            </a:r>
+            <a:endParaRPr lang="en-US" sz="2000" b="1" dirty="0">
+              <a:solidFill>
+                <a:schemeClr val="bg1"/>
+              </a:solidFill>
+            </a:endParaRPr>
+          </a:p>
+        </p:txBody>
+      </p:sp>
+      <p:sp>
+        <p:nvSpPr>
+          <p:cNvPr id="9" name="TextBox 8">
+            <a:extLst>
+              <a:ext uri="{FF2B5EF4-FFF2-40B4-BE49-F238E27FC236}">
+                <a16:creationId xmlns:a16="http://schemas.microsoft.com/office/drawing/2014/main" id="{96C4A5C3-80BC-D94B-C560-22A6168BA597}"/>
+              </a:ext>
+            </a:extLst>
+          </p:cNvPr>
+          <p:cNvSpPr txBox="1"/>
+          <p:nvPr/>
+        </p:nvSpPr>
+        <p:spPr>
+          <a:xfrm>
+            <a:off x="2277416" y="2939530"/>
+            <a:ext cx="1810111" cy="1200329"/>
+          </a:xfrm>
+          <a:prstGeom prst="rect">
+            <a:avLst/>
+          </a:prstGeom>
+          <a:noFill/>
+        </p:spPr>
+        <p:txBody>
+          <a:bodyPr wrap="none" rtlCol="0">
+            <a:spAutoFit/>
+          </a:bodyPr>
+          <a:lstStyle/>
+          <a:p>
+            <a:pPr algn="ctr"/>
+            <a:r>
+              <a:rPr lang="en-US" sz="7200" b="1" dirty="0">
+                <a:solidFill>
+                  <a:schemeClr val="accent1">
+                    <a:lumMod val="75000"/>
+                  </a:schemeClr>
+                </a:solidFill>
+                <a:effectLst>
+                  <a:outerShdw blurRad="38100" dist="38100" dir="2700000" algn="tl">
+                    <a:srgbClr val="000000">
+                      <a:alpha val="43137"/>
+                    </a:srgbClr>
+                  </a:outerShdw>
+                </a:effectLst>
+              </a:rPr>
+              <a:t>004</a:t>
+            </a:r>
+          </a:p>
+        </p:txBody>
+      </p:sp>
+      <p:pic>
+        <p:nvPicPr>
+          <p:cNvPr id="10" name="Content Placeholder 9">
+            <a:extLst>
+              <a:ext uri="{FF2B5EF4-FFF2-40B4-BE49-F238E27FC236}">
+                <a16:creationId xmlns:a16="http://schemas.microsoft.com/office/drawing/2014/main" id="{14E678E4-2D10-D902-1BCF-8A17A1086E2E}"/>
+              </a:ext>
+            </a:extLst>
+          </p:cNvPr>
+          <p:cNvPicPr>
+            <a:picLocks noGrp="1" noChangeAspect="1"/>
+          </p:cNvPicPr>
+          <p:nvPr>
+            <p:ph sz="quarter" idx="13"/>
+          </p:nvPr>
+        </p:nvPicPr>
+        <p:blipFill>
+          <a:blip r:embed="rId6"/>
+          <a:stretch>
+            <a:fillRect/>
+          </a:stretch>
+        </p:blipFill>
+        <p:spPr>
+          <a:xfrm>
+            <a:off x="4381328" y="1826992"/>
+            <a:ext cx="6640798" cy="4225074"/>
+          </a:xfrm>
+          <a:prstGeom prst="rect">
+            <a:avLst/>
+          </a:prstGeom>
+          <a:ln>
+            <a:noFill/>
+          </a:ln>
+          <a:effectLst>
+            <a:outerShdw blurRad="292100" dist="139700" dir="2700000" algn="tl" rotWithShape="0">
+              <a:srgbClr val="333333">
+                <a:alpha val="65000"/>
+              </a:srgbClr>
+            </a:outerShdw>
+          </a:effectLst>
+        </p:spPr>
+      </p:pic>
+    </p:spTree>
+    <p:extLst>
+      <p:ext uri="{BB962C8B-B14F-4D97-AF65-F5344CB8AC3E}">
+        <p14:creationId xmlns:p14="http://schemas.microsoft.com/office/powerpoint/2010/main" val="3014563415"/>
+      </p:ext>
+    </p:extLst>
+  </p:cSld>
+  <p:clrMapOvr>
+    <a:masterClrMapping/>
+  </p:clrMapOvr>
+</p:sld>
+</file>
+
+<file path=ppt/slides/slide6.xml><?xml version="1.0" encoding="utf-8"?>
+<p:sld xmlns:a="http://schemas.openxmlformats.org/drawingml/2006/main" xmlns:r="http://schemas.openxmlformats.org/officeDocument/2006/relationships" xmlns:p="http://schemas.openxmlformats.org/presentationml/2006/main">
+  <p:cSld>
+    <p:spTree>
+      <p:nvGrpSpPr>
+        <p:cNvPr id="1" name="">
+          <a:extLst>
+            <a:ext uri="{FF2B5EF4-FFF2-40B4-BE49-F238E27FC236}">
+              <a16:creationId xmlns:a16="http://schemas.microsoft.com/office/drawing/2014/main" id="{E8164EF2-C955-AFA6-2A39-D6E4091996EC}"/>
+            </a:ext>
+          </a:extLst>
+        </p:cNvPr>
+        <p:cNvGrpSpPr/>
+        <p:nvPr/>
+      </p:nvGrpSpPr>
+      <p:grpSpPr>
+        <a:xfrm>
+          <a:off x="0" y="0"/>
+          <a:ext cx="0" cy="0"/>
+          <a:chOff x="0" y="0"/>
+          <a:chExt cx="0" cy="0"/>
+        </a:xfrm>
+      </p:grpSpPr>
+      <p:sp>
+        <p:nvSpPr>
+          <p:cNvPr id="2" name="Title 1">
+            <a:extLst>
+              <a:ext uri="{FF2B5EF4-FFF2-40B4-BE49-F238E27FC236}">
+                <a16:creationId xmlns:a16="http://schemas.microsoft.com/office/drawing/2014/main" id="{6D0C1BD5-8C8F-409D-000E-8291D192F74E}"/>
+              </a:ext>
+            </a:extLst>
+          </p:cNvPr>
+          <p:cNvSpPr>
+            <a:spLocks noGrp="1"/>
+          </p:cNvSpPr>
+          <p:nvPr>
+            <p:ph type="title"/>
+          </p:nvPr>
+        </p:nvSpPr>
+        <p:spPr/>
+        <p:txBody>
+          <a:bodyPr/>
+          <a:lstStyle/>
+          <a:p>
+            <a:pPr>
+              <a:lnSpc>
+                <a:spcPct val="100000"/>
+              </a:lnSpc>
+            </a:pPr>
+            <a:r>
+              <a:rPr lang="en-US" dirty="0"/>
+              <a:t>Rust </a:t>
+            </a:r>
+            <a:r>
+              <a:rPr lang="zh-CN" altLang="en-US" dirty="0"/>
+              <a:t>实战</a:t>
+            </a:r>
+            <a:br>
+              <a:rPr lang="en-US" altLang="zh-CN" dirty="0"/>
+            </a:br>
+            <a:r>
+              <a:rPr lang="zh-CN" altLang="en-US" dirty="0"/>
+              <a:t>第</a:t>
+            </a:r>
+            <a:r>
+              <a:rPr lang="en-US" altLang="zh-CN" dirty="0"/>
+              <a:t>2</a:t>
+            </a:r>
+            <a:r>
+              <a:rPr lang="zh-CN" altLang="en-US" dirty="0"/>
+              <a:t>章 </a:t>
+            </a:r>
+            <a:r>
+              <a:rPr lang="en-US" altLang="zh-CN" dirty="0"/>
+              <a:t>Rust</a:t>
+            </a:r>
+            <a:r>
+              <a:rPr lang="zh-CN" altLang="en-US" dirty="0"/>
+              <a:t>语言基础 </a:t>
+            </a:r>
+            <a:r>
+              <a:rPr lang="en-US" altLang="zh-CN" dirty="0"/>
+              <a:t>- 2.3 </a:t>
+            </a:r>
+            <a:r>
+              <a:rPr lang="zh-CN" altLang="en-US" dirty="0"/>
+              <a:t>数字类型 </a:t>
+            </a:r>
+            <a:r>
+              <a:rPr lang="en-US" altLang="zh-CN" dirty="0"/>
+              <a:t>– 2.3.2</a:t>
+            </a:r>
+            <a:endParaRPr lang="en-US" dirty="0"/>
+          </a:p>
+        </p:txBody>
+      </p:sp>
+      <p:pic>
+        <p:nvPicPr>
+          <p:cNvPr id="6" name="Picture 5">
+            <a:extLst>
+              <a:ext uri="{FF2B5EF4-FFF2-40B4-BE49-F238E27FC236}">
+                <a16:creationId xmlns:a16="http://schemas.microsoft.com/office/drawing/2014/main" id="{2176B0D2-A9CA-098F-7B85-D29B75AD7B22}"/>
+              </a:ext>
+            </a:extLst>
+          </p:cNvPr>
+          <p:cNvPicPr>
+            <a:picLocks noChangeAspect="1"/>
+          </p:cNvPicPr>
+          <p:nvPr/>
+        </p:nvPicPr>
+        <p:blipFill>
+          <a:blip r:embed="rId2"/>
+          <a:stretch>
+            <a:fillRect/>
+          </a:stretch>
+        </p:blipFill>
+        <p:spPr>
+          <a:xfrm>
+            <a:off x="371971" y="2447668"/>
+            <a:ext cx="1750359" cy="2561187"/>
+          </a:xfrm>
+          <a:prstGeom prst="rect">
+            <a:avLst/>
+          </a:prstGeom>
+          <a:ln>
+            <a:noFill/>
+          </a:ln>
+          <a:effectLst>
+            <a:outerShdw blurRad="292100" dist="139700" dir="2700000" algn="tl" rotWithShape="0">
+              <a:srgbClr val="333333">
+                <a:alpha val="65000"/>
+              </a:srgbClr>
+            </a:outerShdw>
+          </a:effectLst>
+        </p:spPr>
+      </p:pic>
+      <p:pic>
+        <p:nvPicPr>
+          <p:cNvPr id="7" name="Picture 6">
+            <a:extLst>
+              <a:ext uri="{FF2B5EF4-FFF2-40B4-BE49-F238E27FC236}">
+                <a16:creationId xmlns:a16="http://schemas.microsoft.com/office/drawing/2014/main" id="{23C4FE76-C606-073C-3B28-DEA443816998}"/>
+              </a:ext>
+            </a:extLst>
+          </p:cNvPr>
+          <p:cNvPicPr>
+            <a:picLocks noChangeAspect="1"/>
+          </p:cNvPicPr>
+          <p:nvPr/>
+        </p:nvPicPr>
+        <p:blipFill>
+          <a:blip r:embed="rId3"/>
+          <a:stretch>
+            <a:fillRect/>
+          </a:stretch>
+        </p:blipFill>
+        <p:spPr>
+          <a:xfrm>
+            <a:off x="371971" y="6052066"/>
+            <a:ext cx="2810500" cy="585267"/>
+          </a:xfrm>
+          <a:prstGeom prst="rect">
+            <a:avLst/>
+          </a:prstGeom>
+          <a:ln>
+            <a:noFill/>
+          </a:ln>
+          <a:effectLst>
+            <a:outerShdw blurRad="292100" dist="139700" dir="2700000" algn="tl" rotWithShape="0">
+              <a:srgbClr val="333333">
+                <a:alpha val="65000"/>
+              </a:srgbClr>
+            </a:outerShdw>
+          </a:effectLst>
+        </p:spPr>
+      </p:pic>
+      <p:sp>
+        <p:nvSpPr>
+          <p:cNvPr id="8" name="TextBox 7">
+            <a:extLst>
+              <a:ext uri="{FF2B5EF4-FFF2-40B4-BE49-F238E27FC236}">
+                <a16:creationId xmlns:a16="http://schemas.microsoft.com/office/drawing/2014/main" id="{0586BC37-C654-93C5-1617-42F8848AF255}"/>
+              </a:ext>
+            </a:extLst>
+          </p:cNvPr>
+          <p:cNvSpPr txBox="1"/>
+          <p:nvPr/>
+        </p:nvSpPr>
+        <p:spPr>
+          <a:xfrm>
+            <a:off x="4381328" y="6052066"/>
+            <a:ext cx="6940263" cy="707886"/>
+          </a:xfrm>
+          <a:prstGeom prst="rect">
+            <a:avLst/>
+          </a:prstGeom>
+          <a:noFill/>
+        </p:spPr>
+        <p:txBody>
+          <a:bodyPr wrap="square">
+            <a:spAutoFit/>
+          </a:bodyPr>
+          <a:lstStyle/>
+          <a:p>
+            <a:r>
+              <a:rPr lang="en-US" altLang="zh-CN" sz="2000" b="1" dirty="0">
+                <a:solidFill>
+                  <a:schemeClr val="bg1"/>
+                </a:solidFill>
+              </a:rPr>
+              <a:t>GitHub: </a:t>
+            </a:r>
+            <a:r>
+              <a:rPr lang="en-US" sz="2000" b="1" dirty="0">
+                <a:solidFill>
+                  <a:schemeClr val="bg1"/>
+                </a:solidFill>
+                <a:hlinkClick r:id="rId4"/>
+              </a:rPr>
+              <a:t>https://github.com/yasenstar/rust_in_action</a:t>
+            </a:r>
+            <a:endParaRPr lang="en-US" sz="2000" b="1" dirty="0">
+              <a:solidFill>
+                <a:schemeClr val="bg1"/>
+              </a:solidFill>
+            </a:endParaRPr>
+          </a:p>
+          <a:p>
+            <a:r>
+              <a:rPr lang="en-US" sz="2000" b="1" dirty="0">
+                <a:solidFill>
+                  <a:schemeClr val="bg1"/>
+                </a:solidFill>
+              </a:rPr>
+              <a:t>Gitee: </a:t>
+            </a:r>
+            <a:r>
+              <a:rPr lang="en-US" sz="2000" b="1" dirty="0">
+                <a:solidFill>
+                  <a:schemeClr val="bg1"/>
+                </a:solidFill>
+                <a:hlinkClick r:id="rId5"/>
+              </a:rPr>
+              <a:t>https://gitee.com/yasenstar/rust_in_action</a:t>
+            </a:r>
+            <a:endParaRPr lang="en-US" sz="2000" b="1" dirty="0">
+              <a:solidFill>
+                <a:schemeClr val="bg1"/>
+              </a:solidFill>
+            </a:endParaRPr>
+          </a:p>
+        </p:txBody>
+      </p:sp>
+      <p:sp>
+        <p:nvSpPr>
+          <p:cNvPr id="9" name="TextBox 8">
+            <a:extLst>
+              <a:ext uri="{FF2B5EF4-FFF2-40B4-BE49-F238E27FC236}">
+                <a16:creationId xmlns:a16="http://schemas.microsoft.com/office/drawing/2014/main" id="{DE8C3404-6646-7650-2E9A-4BFE889F1270}"/>
+              </a:ext>
+            </a:extLst>
+          </p:cNvPr>
+          <p:cNvSpPr txBox="1"/>
+          <p:nvPr/>
+        </p:nvSpPr>
+        <p:spPr>
+          <a:xfrm>
+            <a:off x="2277416" y="2939530"/>
+            <a:ext cx="1810111" cy="1200329"/>
+          </a:xfrm>
+          <a:prstGeom prst="rect">
+            <a:avLst/>
+          </a:prstGeom>
+          <a:noFill/>
+        </p:spPr>
+        <p:txBody>
+          <a:bodyPr wrap="none" rtlCol="0">
+            <a:spAutoFit/>
+          </a:bodyPr>
+          <a:lstStyle/>
+          <a:p>
+            <a:pPr algn="ctr"/>
+            <a:r>
+              <a:rPr lang="en-US" sz="7200" b="1">
+                <a:solidFill>
+                  <a:schemeClr val="accent1">
+                    <a:lumMod val="75000"/>
+                  </a:schemeClr>
+                </a:solidFill>
+                <a:effectLst>
+                  <a:outerShdw blurRad="38100" dist="38100" dir="2700000" algn="tl">
+                    <a:srgbClr val="000000">
+                      <a:alpha val="43137"/>
+                    </a:srgbClr>
+                  </a:outerShdw>
+                </a:effectLst>
+              </a:rPr>
+              <a:t>005</a:t>
+            </a:r>
+            <a:endParaRPr lang="en-US" sz="7200" b="1" dirty="0">
+              <a:solidFill>
+                <a:schemeClr val="accent1">
+                  <a:lumMod val="75000"/>
+                </a:schemeClr>
+              </a:solidFill>
+              <a:effectLst>
+                <a:outerShdw blurRad="38100" dist="38100" dir="2700000" algn="tl">
+                  <a:srgbClr val="000000">
+                    <a:alpha val="43137"/>
+                  </a:srgbClr>
+                </a:outerShdw>
+              </a:effectLst>
+            </a:endParaRPr>
+          </a:p>
+        </p:txBody>
+      </p:sp>
+      <p:pic>
+        <p:nvPicPr>
+          <p:cNvPr id="11" name="Content Placeholder 10">
+            <a:extLst>
+              <a:ext uri="{FF2B5EF4-FFF2-40B4-BE49-F238E27FC236}">
+                <a16:creationId xmlns:a16="http://schemas.microsoft.com/office/drawing/2014/main" id="{2747ACCF-A4F4-18E4-FE13-CD7EE82A973C}"/>
+              </a:ext>
+            </a:extLst>
+          </p:cNvPr>
+          <p:cNvPicPr>
+            <a:picLocks noGrp="1" noChangeAspect="1"/>
+          </p:cNvPicPr>
+          <p:nvPr>
+            <p:ph sz="quarter" idx="13"/>
+          </p:nvPr>
+        </p:nvPicPr>
+        <p:blipFill>
+          <a:blip r:embed="rId6"/>
+          <a:stretch>
+            <a:fillRect/>
+          </a:stretch>
+        </p:blipFill>
+        <p:spPr>
+          <a:xfrm>
+            <a:off x="4381328" y="1878029"/>
+            <a:ext cx="6510790" cy="4146295"/>
+          </a:xfrm>
+          <a:prstGeom prst="rect">
+            <a:avLst/>
+          </a:prstGeom>
+          <a:ln>
+            <a:noFill/>
+          </a:ln>
+          <a:effectLst>
+            <a:outerShdw blurRad="292100" dist="139700" dir="2700000" algn="tl" rotWithShape="0">
+              <a:srgbClr val="333333">
+                <a:alpha val="65000"/>
+              </a:srgbClr>
+            </a:outerShdw>
+          </a:effectLst>
+        </p:spPr>
+      </p:pic>
+    </p:spTree>
+    <p:extLst>
+      <p:ext uri="{BB962C8B-B14F-4D97-AF65-F5344CB8AC3E}">
+        <p14:creationId xmlns:p14="http://schemas.microsoft.com/office/powerpoint/2010/main" val="58721617"/>
       </p:ext>
     </p:extLst>
   </p:cSld>

--- a/rust_in_action_pages.pptx
+++ b/rust_in_action_pages.pptx
@@ -10138,8 +10138,8 @@
         </p:blipFill>
         <p:spPr>
           <a:xfrm>
-            <a:off x="371971" y="2447668"/>
-            <a:ext cx="1750359" cy="2561187"/>
+            <a:off x="210474" y="2414693"/>
+            <a:ext cx="2025738" cy="2964131"/>
           </a:xfrm>
           <a:prstGeom prst="rect">
             <a:avLst/>
@@ -10475,10 +10475,10 @@
       </p:sp>
       <p:pic>
         <p:nvPicPr>
-          <p:cNvPr id="6" name="Picture 5">
+          <p:cNvPr id="7" name="Picture 6">
             <a:extLst>
               <a:ext uri="{FF2B5EF4-FFF2-40B4-BE49-F238E27FC236}">
-                <a16:creationId xmlns:a16="http://schemas.microsoft.com/office/drawing/2014/main" id="{3224778A-8A10-A023-164A-1D0B4E112CC6}"/>
+                <a16:creationId xmlns:a16="http://schemas.microsoft.com/office/drawing/2014/main" id="{BC495750-3E56-B46E-072E-86E4FEEEA12C}"/>
               </a:ext>
             </a:extLst>
           </p:cNvPr>
@@ -10489,46 +10489,6 @@
         </p:nvPicPr>
         <p:blipFill>
           <a:blip r:embed="rId2"/>
-          <a:stretch>
-            <a:fillRect/>
-          </a:stretch>
-        </p:blipFill>
-        <p:spPr>
-          <a:xfrm>
-            <a:off x="371971" y="2447668"/>
-            <a:ext cx="1750359" cy="2561187"/>
-          </a:xfrm>
-          <a:prstGeom prst="rect">
-            <a:avLst/>
-          </a:prstGeom>
-          <a:ln>
-            <a:noFill/>
-          </a:ln>
-          <a:effectLst>
-            <a:outerShdw blurRad="292100" dist="139700" dir="2700000" algn="tl" rotWithShape="0">
-              <a:srgbClr val="333333">
-                <a:alpha val="65000"/>
-              </a:srgbClr>
-            </a:outerShdw>
-          </a:effectLst>
-        </p:spPr>
-      </p:pic>
-      <p:pic>
-        <p:nvPicPr>
-          <p:cNvPr id="7" name="Picture 6">
-            <a:extLst>
-              <a:ext uri="{FF2B5EF4-FFF2-40B4-BE49-F238E27FC236}">
-                <a16:creationId xmlns:a16="http://schemas.microsoft.com/office/drawing/2014/main" id="{BC495750-3E56-B46E-072E-86E4FEEEA12C}"/>
-              </a:ext>
-            </a:extLst>
-          </p:cNvPr>
-          <p:cNvPicPr>
-            <a:picLocks noChangeAspect="1"/>
-          </p:cNvPicPr>
-          <p:nvPr/>
-        </p:nvPicPr>
-        <p:blipFill>
-          <a:blip r:embed="rId3"/>
           <a:stretch>
             <a:fillRect/>
           </a:stretch>
@@ -10594,7 +10554,7 @@
                 <a:solidFill>
                   <a:schemeClr val="bg1"/>
                 </a:solidFill>
-                <a:hlinkClick r:id="rId4"/>
+                <a:hlinkClick r:id="rId3"/>
               </a:rPr>
               <a:t>https://github.com/yasenstar/rust_in_action</a:t>
             </a:r>
@@ -10618,7 +10578,7 @@
                 <a:solidFill>
                   <a:schemeClr val="bg1"/>
                 </a:solidFill>
-                <a:hlinkClick r:id="rId5"/>
+                <a:hlinkClick r:id="rId4"/>
               </a:rPr>
               <a:t>https://gitee.com/yasenstar/rust_in_action</a:t>
             </a:r>
@@ -10696,7 +10656,7 @@
           </p:nvPr>
         </p:nvPicPr>
         <p:blipFill>
-          <a:blip r:embed="rId6"/>
+          <a:blip r:embed="rId5"/>
           <a:stretch>
             <a:fillRect/>
           </a:stretch>
@@ -10705,6 +10665,46 @@
           <a:xfrm>
             <a:off x="4381328" y="1826992"/>
             <a:ext cx="6640798" cy="4225074"/>
+          </a:xfrm>
+          <a:prstGeom prst="rect">
+            <a:avLst/>
+          </a:prstGeom>
+          <a:ln>
+            <a:noFill/>
+          </a:ln>
+          <a:effectLst>
+            <a:outerShdw blurRad="292100" dist="139700" dir="2700000" algn="tl" rotWithShape="0">
+              <a:srgbClr val="333333">
+                <a:alpha val="65000"/>
+              </a:srgbClr>
+            </a:outerShdw>
+          </a:effectLst>
+        </p:spPr>
+      </p:pic>
+      <p:pic>
+        <p:nvPicPr>
+          <p:cNvPr id="12" name="Picture 11">
+            <a:extLst>
+              <a:ext uri="{FF2B5EF4-FFF2-40B4-BE49-F238E27FC236}">
+                <a16:creationId xmlns:a16="http://schemas.microsoft.com/office/drawing/2014/main" id="{C81A5CDC-598F-594B-E5C7-BF150DDE661A}"/>
+              </a:ext>
+            </a:extLst>
+          </p:cNvPr>
+          <p:cNvPicPr>
+            <a:picLocks noChangeAspect="1"/>
+          </p:cNvPicPr>
+          <p:nvPr/>
+        </p:nvPicPr>
+        <p:blipFill>
+          <a:blip r:embed="rId6"/>
+          <a:stretch>
+            <a:fillRect/>
+          </a:stretch>
+        </p:blipFill>
+        <p:spPr>
+          <a:xfrm>
+            <a:off x="210474" y="2414693"/>
+            <a:ext cx="2025738" cy="2964131"/>
           </a:xfrm>
           <a:prstGeom prst="rect">
             <a:avLst/>
@@ -10832,10 +10832,10 @@
       </p:sp>
       <p:pic>
         <p:nvPicPr>
-          <p:cNvPr id="6" name="Picture 5">
+          <p:cNvPr id="7" name="Picture 6">
             <a:extLst>
               <a:ext uri="{FF2B5EF4-FFF2-40B4-BE49-F238E27FC236}">
-                <a16:creationId xmlns:a16="http://schemas.microsoft.com/office/drawing/2014/main" id="{2176B0D2-A9CA-098F-7B85-D29B75AD7B22}"/>
+                <a16:creationId xmlns:a16="http://schemas.microsoft.com/office/drawing/2014/main" id="{23C4FE76-C606-073C-3B28-DEA443816998}"/>
               </a:ext>
             </a:extLst>
           </p:cNvPr>
@@ -10846,46 +10846,6 @@
         </p:nvPicPr>
         <p:blipFill>
           <a:blip r:embed="rId2"/>
-          <a:stretch>
-            <a:fillRect/>
-          </a:stretch>
-        </p:blipFill>
-        <p:spPr>
-          <a:xfrm>
-            <a:off x="371971" y="2447668"/>
-            <a:ext cx="1750359" cy="2561187"/>
-          </a:xfrm>
-          <a:prstGeom prst="rect">
-            <a:avLst/>
-          </a:prstGeom>
-          <a:ln>
-            <a:noFill/>
-          </a:ln>
-          <a:effectLst>
-            <a:outerShdw blurRad="292100" dist="139700" dir="2700000" algn="tl" rotWithShape="0">
-              <a:srgbClr val="333333">
-                <a:alpha val="65000"/>
-              </a:srgbClr>
-            </a:outerShdw>
-          </a:effectLst>
-        </p:spPr>
-      </p:pic>
-      <p:pic>
-        <p:nvPicPr>
-          <p:cNvPr id="7" name="Picture 6">
-            <a:extLst>
-              <a:ext uri="{FF2B5EF4-FFF2-40B4-BE49-F238E27FC236}">
-                <a16:creationId xmlns:a16="http://schemas.microsoft.com/office/drawing/2014/main" id="{23C4FE76-C606-073C-3B28-DEA443816998}"/>
-              </a:ext>
-            </a:extLst>
-          </p:cNvPr>
-          <p:cNvPicPr>
-            <a:picLocks noChangeAspect="1"/>
-          </p:cNvPicPr>
-          <p:nvPr/>
-        </p:nvPicPr>
-        <p:blipFill>
-          <a:blip r:embed="rId3"/>
           <a:stretch>
             <a:fillRect/>
           </a:stretch>
@@ -10951,7 +10911,7 @@
                 <a:solidFill>
                   <a:schemeClr val="bg1"/>
                 </a:solidFill>
-                <a:hlinkClick r:id="rId4"/>
+                <a:hlinkClick r:id="rId3"/>
               </a:rPr>
               <a:t>https://github.com/yasenstar/rust_in_action</a:t>
             </a:r>
@@ -10975,7 +10935,7 @@
                 <a:solidFill>
                   <a:schemeClr val="bg1"/>
                 </a:solidFill>
-                <a:hlinkClick r:id="rId5"/>
+                <a:hlinkClick r:id="rId4"/>
               </a:rPr>
               <a:t>https://gitee.com/yasenstar/rust_in_action</a:t>
             </a:r>
@@ -11017,7 +10977,7 @@
           <a:p>
             <a:pPr algn="ctr"/>
             <a:r>
-              <a:rPr lang="en-US" sz="7200" b="1">
+              <a:rPr lang="en-US" sz="7200" b="1" dirty="0">
                 <a:solidFill>
                   <a:schemeClr val="accent1">
                     <a:lumMod val="75000"/>
@@ -11033,20 +10993,6 @@
               </a:rPr>
               <a:t>005</a:t>
             </a:r>
-            <a:endParaRPr lang="en-US" sz="7200" b="1" dirty="0">
-              <a:solidFill>
-                <a:schemeClr val="accent1">
-                  <a:lumMod val="75000"/>
-                </a:schemeClr>
-              </a:solidFill>
-              <a:effectLst>
-                <a:outerShdw blurRad="38100" dist="38100" dir="2700000" algn="tl">
-                  <a:srgbClr val="000000">
-                    <a:alpha val="43137"/>
-                  </a:srgbClr>
-                </a:outerShdw>
-              </a:effectLst>
-            </a:endParaRPr>
           </a:p>
         </p:txBody>
       </p:sp>
@@ -11067,7 +11013,7 @@
           </p:nvPr>
         </p:nvPicPr>
         <p:blipFill>
-          <a:blip r:embed="rId6"/>
+          <a:blip r:embed="rId5"/>
           <a:stretch>
             <a:fillRect/>
           </a:stretch>
@@ -11076,6 +11022,46 @@
           <a:xfrm>
             <a:off x="4381328" y="1878029"/>
             <a:ext cx="6510790" cy="4146295"/>
+          </a:xfrm>
+          <a:prstGeom prst="rect">
+            <a:avLst/>
+          </a:prstGeom>
+          <a:ln>
+            <a:noFill/>
+          </a:ln>
+          <a:effectLst>
+            <a:outerShdw blurRad="292100" dist="139700" dir="2700000" algn="tl" rotWithShape="0">
+              <a:srgbClr val="333333">
+                <a:alpha val="65000"/>
+              </a:srgbClr>
+            </a:outerShdw>
+          </a:effectLst>
+        </p:spPr>
+      </p:pic>
+      <p:pic>
+        <p:nvPicPr>
+          <p:cNvPr id="12" name="Picture 11">
+            <a:extLst>
+              <a:ext uri="{FF2B5EF4-FFF2-40B4-BE49-F238E27FC236}">
+                <a16:creationId xmlns:a16="http://schemas.microsoft.com/office/drawing/2014/main" id="{064F28DD-4944-9AB8-0A2D-EB2DB0180774}"/>
+              </a:ext>
+            </a:extLst>
+          </p:cNvPr>
+          <p:cNvPicPr>
+            <a:picLocks noChangeAspect="1"/>
+          </p:cNvPicPr>
+          <p:nvPr/>
+        </p:nvPicPr>
+        <p:blipFill>
+          <a:blip r:embed="rId6"/>
+          <a:stretch>
+            <a:fillRect/>
+          </a:stretch>
+        </p:blipFill>
+        <p:spPr>
+          <a:xfrm>
+            <a:off x="210474" y="2414693"/>
+            <a:ext cx="2025738" cy="2964131"/>
           </a:xfrm>
           <a:prstGeom prst="rect">
             <a:avLst/>

--- a/rust_in_action_pages.pptx
+++ b/rust_in_action_pages.pptx
@@ -5,10 +5,10 @@
     <p:sldMasterId id="2147483658" r:id="rId4"/>
   </p:sldMasterIdLst>
   <p:notesMasterIdLst>
-    <p:notesMasterId r:id="rId11"/>
+    <p:notesMasterId r:id="rId13"/>
   </p:notesMasterIdLst>
   <p:handoutMasterIdLst>
-    <p:handoutMasterId r:id="rId12"/>
+    <p:handoutMasterId r:id="rId14"/>
   </p:handoutMasterIdLst>
   <p:sldIdLst>
     <p:sldId id="410" r:id="rId5"/>
@@ -17,6 +17,8 @@
     <p:sldId id="413" r:id="rId8"/>
     <p:sldId id="414" r:id="rId9"/>
     <p:sldId id="415" r:id="rId10"/>
+    <p:sldId id="416" r:id="rId11"/>
+    <p:sldId id="417" r:id="rId12"/>
   </p:sldIdLst>
   <p:sldSz cx="12192000" cy="6858000"/>
   <p:notesSz cx="6858000" cy="9144000"/>
@@ -11082,6 +11084,703 @@
     <p:extLst>
       <p:ext uri="{BB962C8B-B14F-4D97-AF65-F5344CB8AC3E}">
         <p14:creationId xmlns:p14="http://schemas.microsoft.com/office/powerpoint/2010/main" val="58721617"/>
+      </p:ext>
+    </p:extLst>
+  </p:cSld>
+  <p:clrMapOvr>
+    <a:masterClrMapping/>
+  </p:clrMapOvr>
+</p:sld>
+</file>
+
+<file path=ppt/slides/slide7.xml><?xml version="1.0" encoding="utf-8"?>
+<p:sld xmlns:a="http://schemas.openxmlformats.org/drawingml/2006/main" xmlns:r="http://schemas.openxmlformats.org/officeDocument/2006/relationships" xmlns:p="http://schemas.openxmlformats.org/presentationml/2006/main">
+  <p:cSld>
+    <p:spTree>
+      <p:nvGrpSpPr>
+        <p:cNvPr id="1" name="">
+          <a:extLst>
+            <a:ext uri="{FF2B5EF4-FFF2-40B4-BE49-F238E27FC236}">
+              <a16:creationId xmlns:a16="http://schemas.microsoft.com/office/drawing/2014/main" id="{5644C15D-9C48-630F-1AAF-500D95482FE4}"/>
+            </a:ext>
+          </a:extLst>
+        </p:cNvPr>
+        <p:cNvGrpSpPr/>
+        <p:nvPr/>
+      </p:nvGrpSpPr>
+      <p:grpSpPr>
+        <a:xfrm>
+          <a:off x="0" y="0"/>
+          <a:ext cx="0" cy="0"/>
+          <a:chOff x="0" y="0"/>
+          <a:chExt cx="0" cy="0"/>
+        </a:xfrm>
+      </p:grpSpPr>
+      <p:sp>
+        <p:nvSpPr>
+          <p:cNvPr id="2" name="Title 1">
+            <a:extLst>
+              <a:ext uri="{FF2B5EF4-FFF2-40B4-BE49-F238E27FC236}">
+                <a16:creationId xmlns:a16="http://schemas.microsoft.com/office/drawing/2014/main" id="{AA4B443D-1830-F93A-BE15-0CA42B107E2A}"/>
+              </a:ext>
+            </a:extLst>
+          </p:cNvPr>
+          <p:cNvSpPr>
+            <a:spLocks noGrp="1"/>
+          </p:cNvSpPr>
+          <p:nvPr>
+            <p:ph type="title"/>
+          </p:nvPr>
+        </p:nvSpPr>
+        <p:spPr/>
+        <p:txBody>
+          <a:bodyPr/>
+          <a:lstStyle/>
+          <a:p>
+            <a:pPr>
+              <a:lnSpc>
+                <a:spcPct val="100000"/>
+              </a:lnSpc>
+            </a:pPr>
+            <a:r>
+              <a:rPr lang="en-US" dirty="0"/>
+              <a:t>Rust </a:t>
+            </a:r>
+            <a:r>
+              <a:rPr lang="zh-CN" altLang="en-US" dirty="0"/>
+              <a:t>实战</a:t>
+            </a:r>
+            <a:br>
+              <a:rPr lang="en-US" altLang="zh-CN" dirty="0"/>
+            </a:br>
+            <a:r>
+              <a:rPr lang="zh-CN" altLang="en-US" dirty="0"/>
+              <a:t>第</a:t>
+            </a:r>
+            <a:r>
+              <a:rPr lang="en-US" altLang="zh-CN" dirty="0"/>
+              <a:t>2</a:t>
+            </a:r>
+            <a:r>
+              <a:rPr lang="zh-CN" altLang="en-US" dirty="0"/>
+              <a:t>章 </a:t>
+            </a:r>
+            <a:r>
+              <a:rPr lang="en-US" altLang="zh-CN" dirty="0"/>
+              <a:t>Rust</a:t>
+            </a:r>
+            <a:r>
+              <a:rPr lang="zh-CN" altLang="en-US" dirty="0"/>
+              <a:t>语言基础 </a:t>
+            </a:r>
+            <a:r>
+              <a:rPr lang="en-US" altLang="zh-CN" dirty="0"/>
+              <a:t>- 2.3 </a:t>
+            </a:r>
+            <a:r>
+              <a:rPr lang="zh-CN" altLang="en-US" dirty="0"/>
+              <a:t>数字类型 </a:t>
+            </a:r>
+            <a:r>
+              <a:rPr lang="en-US" altLang="zh-CN" dirty="0"/>
+              <a:t>– 2.3.3</a:t>
+            </a:r>
+            <a:endParaRPr lang="en-US" dirty="0"/>
+          </a:p>
+        </p:txBody>
+      </p:sp>
+      <p:pic>
+        <p:nvPicPr>
+          <p:cNvPr id="7" name="Picture 6">
+            <a:extLst>
+              <a:ext uri="{FF2B5EF4-FFF2-40B4-BE49-F238E27FC236}">
+                <a16:creationId xmlns:a16="http://schemas.microsoft.com/office/drawing/2014/main" id="{F1A75A56-D5CB-00E7-4A3F-69BF814F560C}"/>
+              </a:ext>
+            </a:extLst>
+          </p:cNvPr>
+          <p:cNvPicPr>
+            <a:picLocks noChangeAspect="1"/>
+          </p:cNvPicPr>
+          <p:nvPr/>
+        </p:nvPicPr>
+        <p:blipFill>
+          <a:blip r:embed="rId2"/>
+          <a:stretch>
+            <a:fillRect/>
+          </a:stretch>
+        </p:blipFill>
+        <p:spPr>
+          <a:xfrm>
+            <a:off x="371971" y="6052066"/>
+            <a:ext cx="2810500" cy="585267"/>
+          </a:xfrm>
+          <a:prstGeom prst="rect">
+            <a:avLst/>
+          </a:prstGeom>
+          <a:ln>
+            <a:noFill/>
+          </a:ln>
+          <a:effectLst>
+            <a:outerShdw blurRad="292100" dist="139700" dir="2700000" algn="tl" rotWithShape="0">
+              <a:srgbClr val="333333">
+                <a:alpha val="65000"/>
+              </a:srgbClr>
+            </a:outerShdw>
+          </a:effectLst>
+        </p:spPr>
+      </p:pic>
+      <p:sp>
+        <p:nvSpPr>
+          <p:cNvPr id="8" name="TextBox 7">
+            <a:extLst>
+              <a:ext uri="{FF2B5EF4-FFF2-40B4-BE49-F238E27FC236}">
+                <a16:creationId xmlns:a16="http://schemas.microsoft.com/office/drawing/2014/main" id="{02E17BE0-B8A7-F2A3-E089-057A7A1352A7}"/>
+              </a:ext>
+            </a:extLst>
+          </p:cNvPr>
+          <p:cNvSpPr txBox="1"/>
+          <p:nvPr/>
+        </p:nvSpPr>
+        <p:spPr>
+          <a:xfrm>
+            <a:off x="4381328" y="6052066"/>
+            <a:ext cx="6940263" cy="707886"/>
+          </a:xfrm>
+          <a:prstGeom prst="rect">
+            <a:avLst/>
+          </a:prstGeom>
+          <a:noFill/>
+        </p:spPr>
+        <p:txBody>
+          <a:bodyPr wrap="square">
+            <a:spAutoFit/>
+          </a:bodyPr>
+          <a:lstStyle/>
+          <a:p>
+            <a:r>
+              <a:rPr lang="en-US" altLang="zh-CN" sz="2000" b="1" dirty="0">
+                <a:solidFill>
+                  <a:schemeClr val="bg1"/>
+                </a:solidFill>
+              </a:rPr>
+              <a:t>GitHub: </a:t>
+            </a:r>
+            <a:r>
+              <a:rPr lang="en-US" sz="2000" b="1" dirty="0">
+                <a:solidFill>
+                  <a:schemeClr val="bg1"/>
+                </a:solidFill>
+                <a:hlinkClick r:id="rId3"/>
+              </a:rPr>
+              <a:t>https://github.com/yasenstar/rust_in_action</a:t>
+            </a:r>
+            <a:endParaRPr lang="en-US" sz="2000" b="1" dirty="0">
+              <a:solidFill>
+                <a:schemeClr val="bg1"/>
+              </a:solidFill>
+            </a:endParaRPr>
+          </a:p>
+          <a:p>
+            <a:r>
+              <a:rPr lang="en-US" sz="2000" b="1" dirty="0">
+                <a:solidFill>
+                  <a:schemeClr val="bg1"/>
+                </a:solidFill>
+              </a:rPr>
+              <a:t>Gitee: </a:t>
+            </a:r>
+            <a:r>
+              <a:rPr lang="en-US" sz="2000" b="1" dirty="0">
+                <a:solidFill>
+                  <a:schemeClr val="bg1"/>
+                </a:solidFill>
+                <a:hlinkClick r:id="rId4"/>
+              </a:rPr>
+              <a:t>https://gitee.com/yasenstar/rust_in_action</a:t>
+            </a:r>
+            <a:endParaRPr lang="en-US" sz="2000" b="1" dirty="0">
+              <a:solidFill>
+                <a:schemeClr val="bg1"/>
+              </a:solidFill>
+            </a:endParaRPr>
+          </a:p>
+        </p:txBody>
+      </p:sp>
+      <p:sp>
+        <p:nvSpPr>
+          <p:cNvPr id="9" name="TextBox 8">
+            <a:extLst>
+              <a:ext uri="{FF2B5EF4-FFF2-40B4-BE49-F238E27FC236}">
+                <a16:creationId xmlns:a16="http://schemas.microsoft.com/office/drawing/2014/main" id="{84C112F6-2F87-FF14-C6BD-CC5A37B12C55}"/>
+              </a:ext>
+            </a:extLst>
+          </p:cNvPr>
+          <p:cNvSpPr txBox="1"/>
+          <p:nvPr/>
+        </p:nvSpPr>
+        <p:spPr>
+          <a:xfrm>
+            <a:off x="2277415" y="2939530"/>
+            <a:ext cx="1810112" cy="1200329"/>
+          </a:xfrm>
+          <a:prstGeom prst="rect">
+            <a:avLst/>
+          </a:prstGeom>
+          <a:noFill/>
+        </p:spPr>
+        <p:txBody>
+          <a:bodyPr wrap="none" rtlCol="0">
+            <a:spAutoFit/>
+          </a:bodyPr>
+          <a:lstStyle/>
+          <a:p>
+            <a:pPr algn="ctr"/>
+            <a:r>
+              <a:rPr lang="en-US" sz="7200" b="1" dirty="0">
+                <a:solidFill>
+                  <a:schemeClr val="accent1">
+                    <a:lumMod val="75000"/>
+                  </a:schemeClr>
+                </a:solidFill>
+                <a:effectLst>
+                  <a:outerShdw blurRad="38100" dist="38100" dir="2700000" algn="tl">
+                    <a:srgbClr val="000000">
+                      <a:alpha val="43137"/>
+                    </a:srgbClr>
+                  </a:outerShdw>
+                </a:effectLst>
+              </a:rPr>
+              <a:t>006</a:t>
+            </a:r>
+          </a:p>
+        </p:txBody>
+      </p:sp>
+      <p:pic>
+        <p:nvPicPr>
+          <p:cNvPr id="12" name="Picture 11">
+            <a:extLst>
+              <a:ext uri="{FF2B5EF4-FFF2-40B4-BE49-F238E27FC236}">
+                <a16:creationId xmlns:a16="http://schemas.microsoft.com/office/drawing/2014/main" id="{6139E21C-00D2-EC23-C2F1-5CC63FEE1F16}"/>
+              </a:ext>
+            </a:extLst>
+          </p:cNvPr>
+          <p:cNvPicPr>
+            <a:picLocks noChangeAspect="1"/>
+          </p:cNvPicPr>
+          <p:nvPr/>
+        </p:nvPicPr>
+        <p:blipFill>
+          <a:blip r:embed="rId5"/>
+          <a:stretch>
+            <a:fillRect/>
+          </a:stretch>
+        </p:blipFill>
+        <p:spPr>
+          <a:xfrm>
+            <a:off x="210474" y="2414693"/>
+            <a:ext cx="2025738" cy="2964131"/>
+          </a:xfrm>
+          <a:prstGeom prst="rect">
+            <a:avLst/>
+          </a:prstGeom>
+          <a:ln>
+            <a:noFill/>
+          </a:ln>
+          <a:effectLst>
+            <a:outerShdw blurRad="292100" dist="139700" dir="2700000" algn="tl" rotWithShape="0">
+              <a:srgbClr val="333333">
+                <a:alpha val="65000"/>
+              </a:srgbClr>
+            </a:outerShdw>
+          </a:effectLst>
+        </p:spPr>
+      </p:pic>
+      <p:pic>
+        <p:nvPicPr>
+          <p:cNvPr id="6" name="Content Placeholder 5">
+            <a:extLst>
+              <a:ext uri="{FF2B5EF4-FFF2-40B4-BE49-F238E27FC236}">
+                <a16:creationId xmlns:a16="http://schemas.microsoft.com/office/drawing/2014/main" id="{95E67B75-A9F1-16BF-3B38-13B1D8BF26CF}"/>
+              </a:ext>
+            </a:extLst>
+          </p:cNvPr>
+          <p:cNvPicPr>
+            <a:picLocks noGrp="1" noChangeAspect="1"/>
+          </p:cNvPicPr>
+          <p:nvPr>
+            <p:ph sz="quarter" idx="13"/>
+          </p:nvPr>
+        </p:nvPicPr>
+        <p:blipFill>
+          <a:blip r:embed="rId6"/>
+          <a:stretch>
+            <a:fillRect/>
+          </a:stretch>
+        </p:blipFill>
+        <p:spPr>
+          <a:xfrm>
+            <a:off x="4417187" y="1783079"/>
+            <a:ext cx="6537684" cy="4237119"/>
+          </a:xfrm>
+          <a:prstGeom prst="rect">
+            <a:avLst/>
+          </a:prstGeom>
+          <a:ln>
+            <a:noFill/>
+          </a:ln>
+          <a:effectLst>
+            <a:outerShdw blurRad="292100" dist="139700" dir="2700000" algn="tl" rotWithShape="0">
+              <a:srgbClr val="333333">
+                <a:alpha val="65000"/>
+              </a:srgbClr>
+            </a:outerShdw>
+          </a:effectLst>
+        </p:spPr>
+      </p:pic>
+    </p:spTree>
+    <p:extLst>
+      <p:ext uri="{BB962C8B-B14F-4D97-AF65-F5344CB8AC3E}">
+        <p14:creationId xmlns:p14="http://schemas.microsoft.com/office/powerpoint/2010/main" val="2409703761"/>
+      </p:ext>
+    </p:extLst>
+  </p:cSld>
+  <p:clrMapOvr>
+    <a:masterClrMapping/>
+  </p:clrMapOvr>
+</p:sld>
+</file>
+
+<file path=ppt/slides/slide8.xml><?xml version="1.0" encoding="utf-8"?>
+<p:sld xmlns:a="http://schemas.openxmlformats.org/drawingml/2006/main" xmlns:r="http://schemas.openxmlformats.org/officeDocument/2006/relationships" xmlns:p="http://schemas.openxmlformats.org/presentationml/2006/main">
+  <p:cSld>
+    <p:spTree>
+      <p:nvGrpSpPr>
+        <p:cNvPr id="1" name="">
+          <a:extLst>
+            <a:ext uri="{FF2B5EF4-FFF2-40B4-BE49-F238E27FC236}">
+              <a16:creationId xmlns:a16="http://schemas.microsoft.com/office/drawing/2014/main" id="{022868BE-02F4-4377-4E55-B61EEF93FD40}"/>
+            </a:ext>
+          </a:extLst>
+        </p:cNvPr>
+        <p:cNvGrpSpPr/>
+        <p:nvPr/>
+      </p:nvGrpSpPr>
+      <p:grpSpPr>
+        <a:xfrm>
+          <a:off x="0" y="0"/>
+          <a:ext cx="0" cy="0"/>
+          <a:chOff x="0" y="0"/>
+          <a:chExt cx="0" cy="0"/>
+        </a:xfrm>
+      </p:grpSpPr>
+      <p:sp>
+        <p:nvSpPr>
+          <p:cNvPr id="2" name="Title 1">
+            <a:extLst>
+              <a:ext uri="{FF2B5EF4-FFF2-40B4-BE49-F238E27FC236}">
+                <a16:creationId xmlns:a16="http://schemas.microsoft.com/office/drawing/2014/main" id="{233D0CC9-AC00-5362-6999-5572F62A2291}"/>
+              </a:ext>
+            </a:extLst>
+          </p:cNvPr>
+          <p:cNvSpPr>
+            <a:spLocks noGrp="1"/>
+          </p:cNvSpPr>
+          <p:nvPr>
+            <p:ph type="title"/>
+          </p:nvPr>
+        </p:nvSpPr>
+        <p:spPr/>
+        <p:txBody>
+          <a:bodyPr/>
+          <a:lstStyle/>
+          <a:p>
+            <a:pPr>
+              <a:lnSpc>
+                <a:spcPct val="100000"/>
+              </a:lnSpc>
+            </a:pPr>
+            <a:r>
+              <a:rPr lang="en-US" dirty="0"/>
+              <a:t>Rust </a:t>
+            </a:r>
+            <a:r>
+              <a:rPr lang="zh-CN" altLang="en-US" dirty="0"/>
+              <a:t>实战</a:t>
+            </a:r>
+            <a:br>
+              <a:rPr lang="en-US" altLang="zh-CN" dirty="0"/>
+            </a:br>
+            <a:r>
+              <a:rPr lang="zh-CN" altLang="en-US" dirty="0"/>
+              <a:t>第</a:t>
+            </a:r>
+            <a:r>
+              <a:rPr lang="en-US" altLang="zh-CN" dirty="0"/>
+              <a:t>2</a:t>
+            </a:r>
+            <a:r>
+              <a:rPr lang="zh-CN" altLang="en-US" dirty="0"/>
+              <a:t>章 </a:t>
+            </a:r>
+            <a:r>
+              <a:rPr lang="en-US" altLang="zh-CN" dirty="0"/>
+              <a:t>Rust</a:t>
+            </a:r>
+            <a:r>
+              <a:rPr lang="zh-CN" altLang="en-US" dirty="0"/>
+              <a:t>语言基础 </a:t>
+            </a:r>
+            <a:r>
+              <a:rPr lang="en-US" altLang="zh-CN" dirty="0"/>
+              <a:t>- 2.3 </a:t>
+            </a:r>
+            <a:r>
+              <a:rPr lang="zh-CN" altLang="en-US" dirty="0"/>
+              <a:t>数字类型 </a:t>
+            </a:r>
+            <a:r>
+              <a:rPr lang="en-US" altLang="zh-CN" dirty="0"/>
+              <a:t>– 2.3.4</a:t>
+            </a:r>
+            <a:endParaRPr lang="en-US" dirty="0"/>
+          </a:p>
+        </p:txBody>
+      </p:sp>
+      <p:pic>
+        <p:nvPicPr>
+          <p:cNvPr id="7" name="Picture 6">
+            <a:extLst>
+              <a:ext uri="{FF2B5EF4-FFF2-40B4-BE49-F238E27FC236}">
+                <a16:creationId xmlns:a16="http://schemas.microsoft.com/office/drawing/2014/main" id="{BB4B44FF-C11C-3244-0662-182DAA470CC4}"/>
+              </a:ext>
+            </a:extLst>
+          </p:cNvPr>
+          <p:cNvPicPr>
+            <a:picLocks noChangeAspect="1"/>
+          </p:cNvPicPr>
+          <p:nvPr/>
+        </p:nvPicPr>
+        <p:blipFill>
+          <a:blip r:embed="rId2"/>
+          <a:stretch>
+            <a:fillRect/>
+          </a:stretch>
+        </p:blipFill>
+        <p:spPr>
+          <a:xfrm>
+            <a:off x="371971" y="6052066"/>
+            <a:ext cx="2810500" cy="585267"/>
+          </a:xfrm>
+          <a:prstGeom prst="rect">
+            <a:avLst/>
+          </a:prstGeom>
+          <a:ln>
+            <a:noFill/>
+          </a:ln>
+          <a:effectLst>
+            <a:outerShdw blurRad="292100" dist="139700" dir="2700000" algn="tl" rotWithShape="0">
+              <a:srgbClr val="333333">
+                <a:alpha val="65000"/>
+              </a:srgbClr>
+            </a:outerShdw>
+          </a:effectLst>
+        </p:spPr>
+      </p:pic>
+      <p:sp>
+        <p:nvSpPr>
+          <p:cNvPr id="8" name="TextBox 7">
+            <a:extLst>
+              <a:ext uri="{FF2B5EF4-FFF2-40B4-BE49-F238E27FC236}">
+                <a16:creationId xmlns:a16="http://schemas.microsoft.com/office/drawing/2014/main" id="{F9F5645E-A7EF-6E5B-526B-00C9B5619E9B}"/>
+              </a:ext>
+            </a:extLst>
+          </p:cNvPr>
+          <p:cNvSpPr txBox="1"/>
+          <p:nvPr/>
+        </p:nvSpPr>
+        <p:spPr>
+          <a:xfrm>
+            <a:off x="4381328" y="6052066"/>
+            <a:ext cx="6940263" cy="707886"/>
+          </a:xfrm>
+          <a:prstGeom prst="rect">
+            <a:avLst/>
+          </a:prstGeom>
+          <a:noFill/>
+        </p:spPr>
+        <p:txBody>
+          <a:bodyPr wrap="square">
+            <a:spAutoFit/>
+          </a:bodyPr>
+          <a:lstStyle/>
+          <a:p>
+            <a:r>
+              <a:rPr lang="en-US" altLang="zh-CN" sz="2000" b="1" dirty="0">
+                <a:solidFill>
+                  <a:schemeClr val="bg1"/>
+                </a:solidFill>
+              </a:rPr>
+              <a:t>GitHub: </a:t>
+            </a:r>
+            <a:r>
+              <a:rPr lang="en-US" sz="2000" b="1" dirty="0">
+                <a:solidFill>
+                  <a:schemeClr val="bg1"/>
+                </a:solidFill>
+                <a:hlinkClick r:id="rId3"/>
+              </a:rPr>
+              <a:t>https://github.com/yasenstar/rust_in_action</a:t>
+            </a:r>
+            <a:endParaRPr lang="en-US" sz="2000" b="1" dirty="0">
+              <a:solidFill>
+                <a:schemeClr val="bg1"/>
+              </a:solidFill>
+            </a:endParaRPr>
+          </a:p>
+          <a:p>
+            <a:r>
+              <a:rPr lang="en-US" sz="2000" b="1" dirty="0">
+                <a:solidFill>
+                  <a:schemeClr val="bg1"/>
+                </a:solidFill>
+              </a:rPr>
+              <a:t>Gitee: </a:t>
+            </a:r>
+            <a:r>
+              <a:rPr lang="en-US" sz="2000" b="1" dirty="0">
+                <a:solidFill>
+                  <a:schemeClr val="bg1"/>
+                </a:solidFill>
+                <a:hlinkClick r:id="rId4"/>
+              </a:rPr>
+              <a:t>https://gitee.com/yasenstar/rust_in_action</a:t>
+            </a:r>
+            <a:endParaRPr lang="en-US" sz="2000" b="1" dirty="0">
+              <a:solidFill>
+                <a:schemeClr val="bg1"/>
+              </a:solidFill>
+            </a:endParaRPr>
+          </a:p>
+        </p:txBody>
+      </p:sp>
+      <p:sp>
+        <p:nvSpPr>
+          <p:cNvPr id="9" name="TextBox 8">
+            <a:extLst>
+              <a:ext uri="{FF2B5EF4-FFF2-40B4-BE49-F238E27FC236}">
+                <a16:creationId xmlns:a16="http://schemas.microsoft.com/office/drawing/2014/main" id="{25F6DE6E-A6FD-74BC-18B3-7374E3BC6A77}"/>
+              </a:ext>
+            </a:extLst>
+          </p:cNvPr>
+          <p:cNvSpPr txBox="1"/>
+          <p:nvPr/>
+        </p:nvSpPr>
+        <p:spPr>
+          <a:xfrm>
+            <a:off x="2303352" y="2939530"/>
+            <a:ext cx="1758238" cy="1200329"/>
+          </a:xfrm>
+          <a:prstGeom prst="rect">
+            <a:avLst/>
+          </a:prstGeom>
+          <a:noFill/>
+        </p:spPr>
+        <p:txBody>
+          <a:bodyPr wrap="none" rtlCol="0">
+            <a:spAutoFit/>
+          </a:bodyPr>
+          <a:lstStyle/>
+          <a:p>
+            <a:pPr algn="ctr"/>
+            <a:r>
+              <a:rPr lang="en-US" sz="7200" b="1" dirty="0">
+                <a:solidFill>
+                  <a:schemeClr val="accent1">
+                    <a:lumMod val="75000"/>
+                  </a:schemeClr>
+                </a:solidFill>
+                <a:effectLst>
+                  <a:outerShdw blurRad="38100" dist="38100" dir="2700000" algn="tl">
+                    <a:srgbClr val="000000">
+                      <a:alpha val="43137"/>
+                    </a:srgbClr>
+                  </a:outerShdw>
+                </a:effectLst>
+              </a:rPr>
+              <a:t>007</a:t>
+            </a:r>
+          </a:p>
+        </p:txBody>
+      </p:sp>
+      <p:pic>
+        <p:nvPicPr>
+          <p:cNvPr id="12" name="Picture 11">
+            <a:extLst>
+              <a:ext uri="{FF2B5EF4-FFF2-40B4-BE49-F238E27FC236}">
+                <a16:creationId xmlns:a16="http://schemas.microsoft.com/office/drawing/2014/main" id="{A29CA342-ABC5-9A17-683F-082C5CB5591B}"/>
+              </a:ext>
+            </a:extLst>
+          </p:cNvPr>
+          <p:cNvPicPr>
+            <a:picLocks noChangeAspect="1"/>
+          </p:cNvPicPr>
+          <p:nvPr/>
+        </p:nvPicPr>
+        <p:blipFill>
+          <a:blip r:embed="rId5"/>
+          <a:stretch>
+            <a:fillRect/>
+          </a:stretch>
+        </p:blipFill>
+        <p:spPr>
+          <a:xfrm>
+            <a:off x="210474" y="2414693"/>
+            <a:ext cx="2025738" cy="2964131"/>
+          </a:xfrm>
+          <a:prstGeom prst="rect">
+            <a:avLst/>
+          </a:prstGeom>
+          <a:ln>
+            <a:noFill/>
+          </a:ln>
+          <a:effectLst>
+            <a:outerShdw blurRad="292100" dist="139700" dir="2700000" algn="tl" rotWithShape="0">
+              <a:srgbClr val="333333">
+                <a:alpha val="65000"/>
+              </a:srgbClr>
+            </a:outerShdw>
+          </a:effectLst>
+        </p:spPr>
+      </p:pic>
+      <p:sp>
+        <p:nvSpPr>
+          <p:cNvPr id="4" name="Content Placeholder 3">
+            <a:extLst>
+              <a:ext uri="{FF2B5EF4-FFF2-40B4-BE49-F238E27FC236}">
+                <a16:creationId xmlns:a16="http://schemas.microsoft.com/office/drawing/2014/main" id="{B2F21DA8-A06A-614E-803A-77FE8F187D32}"/>
+              </a:ext>
+            </a:extLst>
+          </p:cNvPr>
+          <p:cNvSpPr>
+            <a:spLocks noGrp="1"/>
+          </p:cNvSpPr>
+          <p:nvPr>
+            <p:ph sz="quarter" idx="13"/>
+          </p:nvPr>
+        </p:nvSpPr>
+        <p:spPr/>
+        <p:txBody>
+          <a:bodyPr/>
+          <a:lstStyle/>
+          <a:p>
+            <a:endParaRPr lang="en-US"/>
+          </a:p>
+        </p:txBody>
+      </p:sp>
+    </p:spTree>
+    <p:extLst>
+      <p:ext uri="{BB962C8B-B14F-4D97-AF65-F5344CB8AC3E}">
+        <p14:creationId xmlns:p14="http://schemas.microsoft.com/office/powerpoint/2010/main" val="3486933152"/>
       </p:ext>
     </p:extLst>
   </p:cSld>

--- a/rust_in_action_pages.pptx
+++ b/rust_in_action_pages.pptx
@@ -5,10 +5,10 @@
     <p:sldMasterId id="2147483658" r:id="rId4"/>
   </p:sldMasterIdLst>
   <p:notesMasterIdLst>
-    <p:notesMasterId r:id="rId13"/>
+    <p:notesMasterId r:id="rId14"/>
   </p:notesMasterIdLst>
   <p:handoutMasterIdLst>
-    <p:handoutMasterId r:id="rId14"/>
+    <p:handoutMasterId r:id="rId15"/>
   </p:handoutMasterIdLst>
   <p:sldIdLst>
     <p:sldId id="410" r:id="rId5"/>
@@ -19,6 +19,7 @@
     <p:sldId id="415" r:id="rId10"/>
     <p:sldId id="416" r:id="rId11"/>
     <p:sldId id="417" r:id="rId12"/>
+    <p:sldId id="418" r:id="rId13"/>
   </p:sldIdLst>
   <p:sldSz cx="12192000" cy="6858000"/>
   <p:notesSz cx="6858000" cy="9144000"/>
@@ -11752,12 +11753,365 @@
           </a:effectLst>
         </p:spPr>
       </p:pic>
+      <p:pic>
+        <p:nvPicPr>
+          <p:cNvPr id="10" name="Content Placeholder 9">
+            <a:extLst>
+              <a:ext uri="{FF2B5EF4-FFF2-40B4-BE49-F238E27FC236}">
+                <a16:creationId xmlns:a16="http://schemas.microsoft.com/office/drawing/2014/main" id="{6D66BAF3-F66E-289C-09F3-9F148D327A57}"/>
+              </a:ext>
+            </a:extLst>
+          </p:cNvPr>
+          <p:cNvPicPr>
+            <a:picLocks noGrp="1" noChangeAspect="1"/>
+          </p:cNvPicPr>
+          <p:nvPr>
+            <p:ph sz="quarter" idx="13"/>
+          </p:nvPr>
+        </p:nvPicPr>
+        <p:blipFill>
+          <a:blip r:embed="rId6"/>
+          <a:stretch>
+            <a:fillRect/>
+          </a:stretch>
+        </p:blipFill>
+        <p:spPr>
+          <a:xfrm>
+            <a:off x="4703018" y="1802928"/>
+            <a:ext cx="6458968" cy="4178772"/>
+          </a:xfrm>
+          <a:prstGeom prst="rect">
+            <a:avLst/>
+          </a:prstGeom>
+          <a:ln>
+            <a:noFill/>
+          </a:ln>
+          <a:effectLst>
+            <a:outerShdw blurRad="292100" dist="139700" dir="2700000" algn="tl" rotWithShape="0">
+              <a:srgbClr val="333333">
+                <a:alpha val="65000"/>
+              </a:srgbClr>
+            </a:outerShdw>
+          </a:effectLst>
+        </p:spPr>
+      </p:pic>
+    </p:spTree>
+    <p:extLst>
+      <p:ext uri="{BB962C8B-B14F-4D97-AF65-F5344CB8AC3E}">
+        <p14:creationId xmlns:p14="http://schemas.microsoft.com/office/powerpoint/2010/main" val="3486933152"/>
+      </p:ext>
+    </p:extLst>
+  </p:cSld>
+  <p:clrMapOvr>
+    <a:masterClrMapping/>
+  </p:clrMapOvr>
+</p:sld>
+</file>
+
+<file path=ppt/slides/slide9.xml><?xml version="1.0" encoding="utf-8"?>
+<p:sld xmlns:a="http://schemas.openxmlformats.org/drawingml/2006/main" xmlns:r="http://schemas.openxmlformats.org/officeDocument/2006/relationships" xmlns:p="http://schemas.openxmlformats.org/presentationml/2006/main">
+  <p:cSld>
+    <p:spTree>
+      <p:nvGrpSpPr>
+        <p:cNvPr id="1" name="">
+          <a:extLst>
+            <a:ext uri="{FF2B5EF4-FFF2-40B4-BE49-F238E27FC236}">
+              <a16:creationId xmlns:a16="http://schemas.microsoft.com/office/drawing/2014/main" id="{5ECF0EAB-FBD0-C10E-431D-985FCC273908}"/>
+            </a:ext>
+          </a:extLst>
+        </p:cNvPr>
+        <p:cNvGrpSpPr/>
+        <p:nvPr/>
+      </p:nvGrpSpPr>
+      <p:grpSpPr>
+        <a:xfrm>
+          <a:off x="0" y="0"/>
+          <a:ext cx="0" cy="0"/>
+          <a:chOff x="0" y="0"/>
+          <a:chExt cx="0" cy="0"/>
+        </a:xfrm>
+      </p:grpSpPr>
+      <p:sp>
+        <p:nvSpPr>
+          <p:cNvPr id="2" name="Title 1">
+            <a:extLst>
+              <a:ext uri="{FF2B5EF4-FFF2-40B4-BE49-F238E27FC236}">
+                <a16:creationId xmlns:a16="http://schemas.microsoft.com/office/drawing/2014/main" id="{AD284675-8287-B464-4347-153E2827A725}"/>
+              </a:ext>
+            </a:extLst>
+          </p:cNvPr>
+          <p:cNvSpPr>
+            <a:spLocks noGrp="1"/>
+          </p:cNvSpPr>
+          <p:nvPr>
+            <p:ph type="title"/>
+          </p:nvPr>
+        </p:nvSpPr>
+        <p:spPr/>
+        <p:txBody>
+          <a:bodyPr/>
+          <a:lstStyle/>
+          <a:p>
+            <a:pPr>
+              <a:lnSpc>
+                <a:spcPct val="100000"/>
+              </a:lnSpc>
+            </a:pPr>
+            <a:r>
+              <a:rPr lang="en-US" dirty="0"/>
+              <a:t>Rust </a:t>
+            </a:r>
+            <a:r>
+              <a:rPr lang="zh-CN" altLang="en-US" dirty="0"/>
+              <a:t>实战</a:t>
+            </a:r>
+            <a:br>
+              <a:rPr lang="en-US" altLang="zh-CN" dirty="0"/>
+            </a:br>
+            <a:r>
+              <a:rPr lang="zh-CN" altLang="en-US" dirty="0"/>
+              <a:t>第</a:t>
+            </a:r>
+            <a:r>
+              <a:rPr lang="en-US" altLang="zh-CN" dirty="0"/>
+              <a:t>2</a:t>
+            </a:r>
+            <a:r>
+              <a:rPr lang="zh-CN" altLang="en-US" dirty="0"/>
+              <a:t>章 </a:t>
+            </a:r>
+            <a:r>
+              <a:rPr lang="en-US" altLang="zh-CN" dirty="0"/>
+              <a:t>Rust</a:t>
+            </a:r>
+            <a:r>
+              <a:rPr lang="zh-CN" altLang="en-US" dirty="0"/>
+              <a:t>语言基础 </a:t>
+            </a:r>
+            <a:r>
+              <a:rPr lang="en-US" altLang="zh-CN" dirty="0"/>
+              <a:t>- 2.4 </a:t>
+            </a:r>
+            <a:r>
+              <a:rPr lang="zh-CN" altLang="en-US" dirty="0"/>
+              <a:t>流程控制</a:t>
+            </a:r>
+            <a:endParaRPr lang="en-US" dirty="0"/>
+          </a:p>
+        </p:txBody>
+      </p:sp>
+      <p:pic>
+        <p:nvPicPr>
+          <p:cNvPr id="7" name="Picture 6">
+            <a:extLst>
+              <a:ext uri="{FF2B5EF4-FFF2-40B4-BE49-F238E27FC236}">
+                <a16:creationId xmlns:a16="http://schemas.microsoft.com/office/drawing/2014/main" id="{F5319BDC-DAAD-866B-BFF1-E853BDF781CC}"/>
+              </a:ext>
+            </a:extLst>
+          </p:cNvPr>
+          <p:cNvPicPr>
+            <a:picLocks noChangeAspect="1"/>
+          </p:cNvPicPr>
+          <p:nvPr/>
+        </p:nvPicPr>
+        <p:blipFill>
+          <a:blip r:embed="rId2"/>
+          <a:stretch>
+            <a:fillRect/>
+          </a:stretch>
+        </p:blipFill>
+        <p:spPr>
+          <a:xfrm>
+            <a:off x="371971" y="6052066"/>
+            <a:ext cx="2810500" cy="585267"/>
+          </a:xfrm>
+          <a:prstGeom prst="rect">
+            <a:avLst/>
+          </a:prstGeom>
+          <a:ln>
+            <a:noFill/>
+          </a:ln>
+          <a:effectLst>
+            <a:outerShdw blurRad="292100" dist="139700" dir="2700000" algn="tl" rotWithShape="0">
+              <a:srgbClr val="333333">
+                <a:alpha val="65000"/>
+              </a:srgbClr>
+            </a:outerShdw>
+          </a:effectLst>
+        </p:spPr>
+      </p:pic>
+      <p:sp>
+        <p:nvSpPr>
+          <p:cNvPr id="8" name="TextBox 7">
+            <a:extLst>
+              <a:ext uri="{FF2B5EF4-FFF2-40B4-BE49-F238E27FC236}">
+                <a16:creationId xmlns:a16="http://schemas.microsoft.com/office/drawing/2014/main" id="{649A5DAA-9B60-A8B6-5028-59053E2C07A6}"/>
+              </a:ext>
+            </a:extLst>
+          </p:cNvPr>
+          <p:cNvSpPr txBox="1"/>
+          <p:nvPr/>
+        </p:nvSpPr>
+        <p:spPr>
+          <a:xfrm>
+            <a:off x="4381328" y="6052066"/>
+            <a:ext cx="6940263" cy="707886"/>
+          </a:xfrm>
+          <a:prstGeom prst="rect">
+            <a:avLst/>
+          </a:prstGeom>
+          <a:noFill/>
+        </p:spPr>
+        <p:txBody>
+          <a:bodyPr wrap="square">
+            <a:spAutoFit/>
+          </a:bodyPr>
+          <a:lstStyle/>
+          <a:p>
+            <a:r>
+              <a:rPr lang="en-US" altLang="zh-CN" sz="2000" b="1" dirty="0">
+                <a:solidFill>
+                  <a:schemeClr val="bg1"/>
+                </a:solidFill>
+              </a:rPr>
+              <a:t>GitHub: </a:t>
+            </a:r>
+            <a:r>
+              <a:rPr lang="en-US" sz="2000" b="1" dirty="0">
+                <a:solidFill>
+                  <a:schemeClr val="bg1"/>
+                </a:solidFill>
+                <a:hlinkClick r:id="rId3"/>
+              </a:rPr>
+              <a:t>https://github.com/yasenstar/rust_in_action</a:t>
+            </a:r>
+            <a:endParaRPr lang="en-US" sz="2000" b="1" dirty="0">
+              <a:solidFill>
+                <a:schemeClr val="bg1"/>
+              </a:solidFill>
+            </a:endParaRPr>
+          </a:p>
+          <a:p>
+            <a:r>
+              <a:rPr lang="en-US" sz="2000" b="1" dirty="0">
+                <a:solidFill>
+                  <a:schemeClr val="bg1"/>
+                </a:solidFill>
+              </a:rPr>
+              <a:t>Gitee: </a:t>
+            </a:r>
+            <a:r>
+              <a:rPr lang="en-US" sz="2000" b="1" dirty="0">
+                <a:solidFill>
+                  <a:schemeClr val="bg1"/>
+                </a:solidFill>
+                <a:hlinkClick r:id="rId4"/>
+              </a:rPr>
+              <a:t>https://gitee.com/yasenstar/rust_in_action</a:t>
+            </a:r>
+            <a:endParaRPr lang="en-US" sz="2000" b="1" dirty="0">
+              <a:solidFill>
+                <a:schemeClr val="bg1"/>
+              </a:solidFill>
+            </a:endParaRPr>
+          </a:p>
+        </p:txBody>
+      </p:sp>
+      <p:sp>
+        <p:nvSpPr>
+          <p:cNvPr id="9" name="TextBox 8">
+            <a:extLst>
+              <a:ext uri="{FF2B5EF4-FFF2-40B4-BE49-F238E27FC236}">
+                <a16:creationId xmlns:a16="http://schemas.microsoft.com/office/drawing/2014/main" id="{851FB1AC-C962-1BB2-CD7C-6F080F9BC294}"/>
+              </a:ext>
+            </a:extLst>
+          </p:cNvPr>
+          <p:cNvSpPr txBox="1"/>
+          <p:nvPr/>
+        </p:nvSpPr>
+        <p:spPr>
+          <a:xfrm>
+            <a:off x="2277416" y="2939530"/>
+            <a:ext cx="1810111" cy="1200329"/>
+          </a:xfrm>
+          <a:prstGeom prst="rect">
+            <a:avLst/>
+          </a:prstGeom>
+          <a:noFill/>
+        </p:spPr>
+        <p:txBody>
+          <a:bodyPr wrap="none" rtlCol="0">
+            <a:spAutoFit/>
+          </a:bodyPr>
+          <a:lstStyle/>
+          <a:p>
+            <a:pPr algn="ctr"/>
+            <a:r>
+              <a:rPr lang="en-US" sz="7200" b="1" dirty="0">
+                <a:solidFill>
+                  <a:schemeClr val="accent1">
+                    <a:lumMod val="75000"/>
+                  </a:schemeClr>
+                </a:solidFill>
+                <a:effectLst>
+                  <a:outerShdw blurRad="38100" dist="38100" dir="2700000" algn="tl">
+                    <a:srgbClr val="000000">
+                      <a:alpha val="43137"/>
+                    </a:srgbClr>
+                  </a:outerShdw>
+                </a:effectLst>
+              </a:rPr>
+              <a:t>008</a:t>
+            </a:r>
+          </a:p>
+        </p:txBody>
+      </p:sp>
+      <p:pic>
+        <p:nvPicPr>
+          <p:cNvPr id="12" name="Picture 11">
+            <a:extLst>
+              <a:ext uri="{FF2B5EF4-FFF2-40B4-BE49-F238E27FC236}">
+                <a16:creationId xmlns:a16="http://schemas.microsoft.com/office/drawing/2014/main" id="{A328EEE7-97AF-7C28-8DD9-A2266A4A3C29}"/>
+              </a:ext>
+            </a:extLst>
+          </p:cNvPr>
+          <p:cNvPicPr>
+            <a:picLocks noChangeAspect="1"/>
+          </p:cNvPicPr>
+          <p:nvPr/>
+        </p:nvPicPr>
+        <p:blipFill>
+          <a:blip r:embed="rId5"/>
+          <a:stretch>
+            <a:fillRect/>
+          </a:stretch>
+        </p:blipFill>
+        <p:spPr>
+          <a:xfrm>
+            <a:off x="210474" y="2414693"/>
+            <a:ext cx="2025738" cy="2964131"/>
+          </a:xfrm>
+          <a:prstGeom prst="rect">
+            <a:avLst/>
+          </a:prstGeom>
+          <a:ln>
+            <a:noFill/>
+          </a:ln>
+          <a:effectLst>
+            <a:outerShdw blurRad="292100" dist="139700" dir="2700000" algn="tl" rotWithShape="0">
+              <a:srgbClr val="333333">
+                <a:alpha val="65000"/>
+              </a:srgbClr>
+            </a:outerShdw>
+          </a:effectLst>
+        </p:spPr>
+      </p:pic>
       <p:sp>
         <p:nvSpPr>
           <p:cNvPr id="4" name="Content Placeholder 3">
             <a:extLst>
               <a:ext uri="{FF2B5EF4-FFF2-40B4-BE49-F238E27FC236}">
-                <a16:creationId xmlns:a16="http://schemas.microsoft.com/office/drawing/2014/main" id="{B2F21DA8-A06A-614E-803A-77FE8F187D32}"/>
+                <a16:creationId xmlns:a16="http://schemas.microsoft.com/office/drawing/2014/main" id="{464F15D3-F1EA-70E1-7832-53176233E39E}"/>
               </a:ext>
             </a:extLst>
           </p:cNvPr>
@@ -11780,7 +12134,7 @@
     </p:spTree>
     <p:extLst>
       <p:ext uri="{BB962C8B-B14F-4D97-AF65-F5344CB8AC3E}">
-        <p14:creationId xmlns:p14="http://schemas.microsoft.com/office/powerpoint/2010/main" val="3486933152"/>
+        <p14:creationId xmlns:p14="http://schemas.microsoft.com/office/powerpoint/2010/main" val="1859310982"/>
       </p:ext>
     </p:extLst>
   </p:cSld>
